--- a/python/Slabs/Slabs.pptx
+++ b/python/Slabs/Slabs.pptx
@@ -3438,18 +3438,13 @@
           <a:lstStyle/>
           <a:p>
             <a:r>
-              <a:rPr lang="en-US" b="1" dirty="0" smtClean="0"/>
-              <a:t>Presentation on Simulation of </a:t>
-            </a:r>
-            <a:r>
               <a:rPr lang="en-US" b="1" dirty="0"/>
-              <a:t>fields penetrating two slabs with normal incidence</a:t>
+              <a:t>Presentation on Simulation of fields penetrating two slabs with normal incidence</a:t>
             </a:r>
             <a:r>
               <a:rPr lang="en-US" dirty="0"/>
               <a:t> </a:t>
             </a:r>
-            <a:endParaRPr lang="en-US" dirty="0"/>
           </a:p>
         </p:txBody>
       </p:sp>
@@ -3705,10 +3700,295 @@
           <a:lstStyle/>
           <a:p>
             <a:r>
-              <a:rPr lang="en-US" sz="1800" smtClean="0"/>
-              <a:t>Declaring variable</a:t>
-            </a:r>
-            <a:endParaRPr lang="en-US" sz="1400" dirty="0" smtClean="0"/>
+              <a:rPr lang="en-US" sz="1900" dirty="0"/>
+              <a:t>Declaring variables</a:t>
+            </a:r>
+          </a:p>
+          <a:p>
+            <a:pPr lvl="1"/>
+            <a:r>
+              <a:rPr lang="en-US" sz="1500" dirty="0"/>
+              <a:t>Define space and time grid</a:t>
+            </a:r>
+          </a:p>
+          <a:p>
+            <a:pPr lvl="1"/>
+            <a:r>
+              <a:rPr lang="en-US" sz="1500" dirty="0"/>
+              <a:t>Position slabs</a:t>
+            </a:r>
+          </a:p>
+          <a:p>
+            <a:pPr lvl="1"/>
+            <a:r>
+              <a:rPr lang="en-US" sz="1500" dirty="0"/>
+              <a:t>Spectrum initialization at z=0</a:t>
+            </a:r>
+          </a:p>
+          <a:p>
+            <a:endParaRPr lang="en-US" sz="1900" dirty="0"/>
+          </a:p>
+          <a:p>
+            <a:r>
+              <a:rPr lang="en-US" sz="1900"/>
+              <a:t>From </a:t>
+            </a:r>
+            <a:r>
+              <a:rPr lang="en-US" sz="1900" dirty="0"/>
+              <a:t>Gamma at last interface, work way back to z</a:t>
+            </a:r>
+            <a:r>
+              <a:rPr lang="en-US" sz="1900"/>
+              <a:t>=0</a:t>
+            </a:r>
+            <a:endParaRPr lang="en-US" sz="1900" dirty="0"/>
+          </a:p>
+          <a:p>
+            <a:pPr marL="0" indent="0">
+              <a:lnSpc>
+                <a:spcPct val="100000"/>
+              </a:lnSpc>
+              <a:spcBef>
+                <a:spcPts val="0"/>
+              </a:spcBef>
+              <a:buNone/>
+            </a:pPr>
+            <a:r>
+              <a:rPr lang="en-US" sz="1400" b="0" dirty="0">
+                <a:solidFill>
+                  <a:srgbClr val="6A9955"/>
+                </a:solidFill>
+                <a:effectLst/>
+                <a:latin typeface="Consolas" panose="020B0609020204030204" pitchFamily="49" charset="0"/>
+              </a:rPr>
+              <a:t># Calculate Gamma at z=0, function of (</a:t>
+            </a:r>
+            <a:r>
+              <a:rPr lang="en-US" sz="1400" b="0" dirty="0" err="1">
+                <a:solidFill>
+                  <a:srgbClr val="6A9955"/>
+                </a:solidFill>
+                <a:effectLst/>
+                <a:latin typeface="Consolas" panose="020B0609020204030204" pitchFamily="49" charset="0"/>
+              </a:rPr>
+              <a:t>freqs</a:t>
+            </a:r>
+            <a:r>
+              <a:rPr lang="en-US" sz="1400" b="0" dirty="0">
+                <a:solidFill>
+                  <a:srgbClr val="6A9955"/>
+                </a:solidFill>
+                <a:effectLst/>
+                <a:latin typeface="Consolas" panose="020B0609020204030204" pitchFamily="49" charset="0"/>
+              </a:rPr>
+              <a:t>)</a:t>
+            </a:r>
+            <a:endParaRPr lang="en-US" sz="1400" b="0" dirty="0">
+              <a:solidFill>
+                <a:srgbClr val="CCCCCC"/>
+              </a:solidFill>
+              <a:effectLst/>
+              <a:latin typeface="Consolas" panose="020B0609020204030204" pitchFamily="49" charset="0"/>
+            </a:endParaRPr>
+          </a:p>
+          <a:p>
+            <a:pPr marL="0" indent="0">
+              <a:lnSpc>
+                <a:spcPct val="100000"/>
+              </a:lnSpc>
+              <a:spcBef>
+                <a:spcPts val="0"/>
+              </a:spcBef>
+              <a:buNone/>
+            </a:pPr>
+            <a:r>
+              <a:rPr lang="en-US" sz="1400" b="0" dirty="0">
+                <a:solidFill>
+                  <a:srgbClr val="CCCCCC"/>
+                </a:solidFill>
+                <a:effectLst/>
+                <a:latin typeface="Consolas" panose="020B0609020204030204" pitchFamily="49" charset="0"/>
+              </a:rPr>
+              <a:t>        </a:t>
+            </a:r>
+            <a:r>
+              <a:rPr lang="en-US" sz="1400" b="0" dirty="0">
+                <a:effectLst/>
+                <a:latin typeface="Consolas" panose="020B0609020204030204" pitchFamily="49" charset="0"/>
+              </a:rPr>
+              <a:t>Gamma *= 0</a:t>
+            </a:r>
+          </a:p>
+          <a:p>
+            <a:pPr marL="0" indent="0">
+              <a:lnSpc>
+                <a:spcPct val="100000"/>
+              </a:lnSpc>
+              <a:spcBef>
+                <a:spcPts val="0"/>
+              </a:spcBef>
+              <a:buNone/>
+            </a:pPr>
+            <a:r>
+              <a:rPr lang="en-US" sz="1400" b="0" dirty="0">
+                <a:effectLst/>
+                <a:latin typeface="Consolas" panose="020B0609020204030204" pitchFamily="49" charset="0"/>
+              </a:rPr>
+              <a:t>        for (k, l, r) in zip(</a:t>
+            </a:r>
+          </a:p>
+          <a:p>
+            <a:pPr marL="0" indent="0">
+              <a:lnSpc>
+                <a:spcPct val="100000"/>
+              </a:lnSpc>
+              <a:spcBef>
+                <a:spcPts val="0"/>
+              </a:spcBef>
+              <a:buNone/>
+            </a:pPr>
+            <a:r>
+              <a:rPr lang="en-US" sz="1400" b="0" dirty="0">
+                <a:effectLst/>
+                <a:latin typeface="Consolas" panose="020B0609020204030204" pitchFamily="49" charset="0"/>
+              </a:rPr>
+              <a:t>                [</a:t>
+            </a:r>
+            <a:r>
+              <a:rPr lang="en-US" sz="1400" b="0" dirty="0" err="1">
+                <a:effectLst/>
+                <a:latin typeface="Consolas" panose="020B0609020204030204" pitchFamily="49" charset="0"/>
+              </a:rPr>
+              <a:t>k_s</a:t>
+            </a:r>
+            <a:r>
+              <a:rPr lang="en-US" sz="1400" b="0" dirty="0">
+                <a:effectLst/>
+                <a:latin typeface="Consolas" panose="020B0609020204030204" pitchFamily="49" charset="0"/>
+              </a:rPr>
+              <a:t>, k_0, </a:t>
+            </a:r>
+            <a:r>
+              <a:rPr lang="en-US" sz="1400" b="0" dirty="0" err="1">
+                <a:effectLst/>
+                <a:latin typeface="Consolas" panose="020B0609020204030204" pitchFamily="49" charset="0"/>
+              </a:rPr>
+              <a:t>k_s</a:t>
+            </a:r>
+            <a:r>
+              <a:rPr lang="en-US" sz="1400" b="0" dirty="0">
+                <a:effectLst/>
+                <a:latin typeface="Consolas" panose="020B0609020204030204" pitchFamily="49" charset="0"/>
+              </a:rPr>
+              <a:t>, k_0],</a:t>
+            </a:r>
+          </a:p>
+          <a:p>
+            <a:pPr marL="0" indent="0">
+              <a:lnSpc>
+                <a:spcPct val="100000"/>
+              </a:lnSpc>
+              <a:spcBef>
+                <a:spcPts val="0"/>
+              </a:spcBef>
+              <a:buNone/>
+            </a:pPr>
+            <a:r>
+              <a:rPr lang="en-US" sz="1400" b="0" dirty="0">
+                <a:effectLst/>
+                <a:latin typeface="Consolas" panose="020B0609020204030204" pitchFamily="49" charset="0"/>
+              </a:rPr>
+              <a:t>                [d4 - d3, d3 - d2, d2 - d1, d1],</a:t>
+            </a:r>
+          </a:p>
+          <a:p>
+            <a:pPr marL="0" indent="0">
+              <a:lnSpc>
+                <a:spcPct val="100000"/>
+              </a:lnSpc>
+              <a:spcBef>
+                <a:spcPts val="0"/>
+              </a:spcBef>
+              <a:buNone/>
+            </a:pPr>
+            <a:r>
+              <a:rPr lang="en-US" sz="1400" b="0" dirty="0">
+                <a:effectLst/>
+                <a:latin typeface="Consolas" panose="020B0609020204030204" pitchFamily="49" charset="0"/>
+              </a:rPr>
+              <a:t>                [</a:t>
+            </a:r>
+            <a:r>
+              <a:rPr lang="en-US" sz="1400" b="0" dirty="0" err="1">
+                <a:effectLst/>
+                <a:latin typeface="Consolas" panose="020B0609020204030204" pitchFamily="49" charset="0"/>
+              </a:rPr>
+              <a:t>r_s</a:t>
+            </a:r>
+            <a:r>
+              <a:rPr lang="en-US" sz="1400" b="0" dirty="0">
+                <a:effectLst/>
+                <a:latin typeface="Consolas" panose="020B0609020204030204" pitchFamily="49" charset="0"/>
+              </a:rPr>
+              <a:t>, r_0, </a:t>
+            </a:r>
+            <a:r>
+              <a:rPr lang="en-US" sz="1400" b="0" dirty="0" err="1">
+                <a:effectLst/>
+                <a:latin typeface="Consolas" panose="020B0609020204030204" pitchFamily="49" charset="0"/>
+              </a:rPr>
+              <a:t>r_s</a:t>
+            </a:r>
+            <a:r>
+              <a:rPr lang="en-US" sz="1400" b="0" dirty="0">
+                <a:effectLst/>
+                <a:latin typeface="Consolas" panose="020B0609020204030204" pitchFamily="49" charset="0"/>
+              </a:rPr>
+              <a:t>, r_0]):</a:t>
+            </a:r>
+          </a:p>
+          <a:p>
+            <a:pPr marL="0" indent="0">
+              <a:lnSpc>
+                <a:spcPct val="100000"/>
+              </a:lnSpc>
+              <a:spcBef>
+                <a:spcPts val="0"/>
+              </a:spcBef>
+              <a:buNone/>
+            </a:pPr>
+            <a:br>
+              <a:rPr lang="en-US" sz="1400" b="0" dirty="0">
+                <a:effectLst/>
+                <a:latin typeface="Consolas" panose="020B0609020204030204" pitchFamily="49" charset="0"/>
+              </a:rPr>
+            </a:br>
+            <a:r>
+              <a:rPr lang="en-US" sz="1400" b="0" dirty="0">
+                <a:effectLst/>
+                <a:latin typeface="Consolas" panose="020B0609020204030204" pitchFamily="49" charset="0"/>
+              </a:rPr>
+              <a:t>            Gamma = </a:t>
+            </a:r>
+            <a:r>
+              <a:rPr lang="en-US" sz="1400" b="0" dirty="0" err="1">
+                <a:effectLst/>
+                <a:latin typeface="Consolas" panose="020B0609020204030204" pitchFamily="49" charset="0"/>
+              </a:rPr>
+              <a:t>np.exp</a:t>
+            </a:r>
+            <a:r>
+              <a:rPr lang="en-US" sz="1400" b="0" dirty="0">
+                <a:effectLst/>
+                <a:latin typeface="Consolas" panose="020B0609020204030204" pitchFamily="49" charset="0"/>
+              </a:rPr>
+              <a:t>(-2j*k*l) * (r + Gamma) / (1 + r*Gamma)</a:t>
+            </a:r>
+          </a:p>
+          <a:p>
+            <a:endParaRPr lang="en-US" sz="1900" dirty="0">
+              <a:latin typeface="Centaur" panose="02030504050205020304" pitchFamily="18" charset="0"/>
+            </a:endParaRPr>
           </a:p>
           <a:p>
             <a:endParaRPr lang="en-US" sz="1800" dirty="0"/>
@@ -3854,15 +4134,1080 @@
         </p:nvSpPr>
         <p:spPr>
           <a:xfrm>
-            <a:off x="838200" y="1763244"/>
-            <a:ext cx="10515600" cy="4480537"/>
+            <a:off x="838200" y="1357460"/>
+            <a:ext cx="10515600" cy="5500540"/>
           </a:xfrm>
         </p:spPr>
         <p:txBody>
-          <a:bodyPr/>
-          <a:lstStyle/>
-          <a:p>
-            <a:endParaRPr lang="en-US" dirty="0"/>
+          <a:bodyPr>
+            <a:normAutofit/>
+          </a:bodyPr>
+          <a:lstStyle/>
+          <a:p>
+            <a:pPr marL="0" indent="0">
+              <a:buNone/>
+            </a:pPr>
+            <a:endParaRPr lang="fr-BE" sz="1900" dirty="0"/>
+          </a:p>
+          <a:p>
+            <a:pPr marL="0" indent="0">
+              <a:spcBef>
+                <a:spcPts val="0"/>
+              </a:spcBef>
+              <a:buNone/>
+            </a:pPr>
+            <a:r>
+              <a:rPr lang="en-US" sz="1400" b="0" dirty="0">
+                <a:solidFill>
+                  <a:srgbClr val="6A9955"/>
+                </a:solidFill>
+                <a:effectLst/>
+                <a:latin typeface="Consolas" panose="020B0609020204030204" pitchFamily="49" charset="0"/>
+              </a:rPr>
+              <a:t># Calculate 5 forward (A) and backward (B) fields at the start of each </a:t>
+            </a:r>
+            <a:r>
+              <a:rPr lang="en-US" sz="1400" b="0" dirty="0" err="1">
+                <a:solidFill>
+                  <a:srgbClr val="6A9955"/>
+                </a:solidFill>
+                <a:effectLst/>
+                <a:latin typeface="Consolas" panose="020B0609020204030204" pitchFamily="49" charset="0"/>
+              </a:rPr>
+              <a:t>z_local</a:t>
+            </a:r>
+            <a:r>
+              <a:rPr lang="en-US" sz="1400" b="0" dirty="0">
+                <a:solidFill>
+                  <a:srgbClr val="6A9955"/>
+                </a:solidFill>
+                <a:effectLst/>
+                <a:latin typeface="Consolas" panose="020B0609020204030204" pitchFamily="49" charset="0"/>
+              </a:rPr>
+              <a:t>,</a:t>
+            </a:r>
+            <a:endParaRPr lang="en-US" sz="1400" dirty="0">
+              <a:solidFill>
+                <a:srgbClr val="CCCCCC"/>
+              </a:solidFill>
+              <a:latin typeface="Consolas" panose="020B0609020204030204" pitchFamily="49" charset="0"/>
+            </a:endParaRPr>
+          </a:p>
+          <a:p>
+            <a:pPr marL="0" indent="0">
+              <a:spcBef>
+                <a:spcPts val="0"/>
+              </a:spcBef>
+              <a:buNone/>
+            </a:pPr>
+            <a:r>
+              <a:rPr lang="en-US" sz="1400" b="0" dirty="0">
+                <a:solidFill>
+                  <a:srgbClr val="6A9955"/>
+                </a:solidFill>
+                <a:effectLst/>
+                <a:latin typeface="Consolas" panose="020B0609020204030204" pitchFamily="49" charset="0"/>
+              </a:rPr>
+              <a:t># function of (</a:t>
+            </a:r>
+            <a:r>
+              <a:rPr lang="en-US" sz="1400" b="0" dirty="0" err="1">
+                <a:solidFill>
+                  <a:srgbClr val="6A9955"/>
+                </a:solidFill>
+                <a:effectLst/>
+                <a:latin typeface="Consolas" panose="020B0609020204030204" pitchFamily="49" charset="0"/>
+              </a:rPr>
+              <a:t>freqs</a:t>
+            </a:r>
+            <a:r>
+              <a:rPr lang="en-US" sz="1400" b="0" dirty="0">
+                <a:solidFill>
+                  <a:srgbClr val="6A9955"/>
+                </a:solidFill>
+                <a:effectLst/>
+                <a:latin typeface="Consolas" panose="020B0609020204030204" pitchFamily="49" charset="0"/>
+              </a:rPr>
+              <a:t>)</a:t>
+            </a:r>
+            <a:endParaRPr lang="en-US" sz="1400" b="0" dirty="0">
+              <a:solidFill>
+                <a:srgbClr val="CCCCCC"/>
+              </a:solidFill>
+              <a:effectLst/>
+              <a:latin typeface="Consolas" panose="020B0609020204030204" pitchFamily="49" charset="0"/>
+            </a:endParaRPr>
+          </a:p>
+          <a:p>
+            <a:pPr marL="0" indent="0">
+              <a:spcBef>
+                <a:spcPts val="0"/>
+              </a:spcBef>
+              <a:buNone/>
+            </a:pPr>
+            <a:r>
+              <a:rPr lang="en-US" sz="1400" b="0" dirty="0">
+                <a:solidFill>
+                  <a:srgbClr val="CCCCCC"/>
+                </a:solidFill>
+                <a:effectLst/>
+                <a:latin typeface="Consolas" panose="020B0609020204030204" pitchFamily="49" charset="0"/>
+              </a:rPr>
+              <a:t>        </a:t>
+            </a:r>
+            <a:r>
+              <a:rPr lang="en-US" sz="1400" b="0" dirty="0">
+                <a:effectLst/>
+                <a:latin typeface="Consolas" panose="020B0609020204030204" pitchFamily="49" charset="0"/>
+              </a:rPr>
+              <a:t>B[0] = A[0] * Gamma</a:t>
+            </a:r>
+          </a:p>
+          <a:p>
+            <a:pPr marL="0" indent="0">
+              <a:spcBef>
+                <a:spcPts val="0"/>
+              </a:spcBef>
+              <a:buNone/>
+            </a:pPr>
+            <a:r>
+              <a:rPr lang="en-US" sz="1400" b="0" dirty="0">
+                <a:effectLst/>
+                <a:latin typeface="Consolas" panose="020B0609020204030204" pitchFamily="49" charset="0"/>
+              </a:rPr>
+              <a:t>        for </a:t>
+            </a:r>
+            <a:r>
+              <a:rPr lang="en-US" sz="1400" b="0" dirty="0" err="1">
+                <a:effectLst/>
+                <a:latin typeface="Consolas" panose="020B0609020204030204" pitchFamily="49" charset="0"/>
+              </a:rPr>
+              <a:t>i</a:t>
+            </a:r>
+            <a:r>
+              <a:rPr lang="en-US" sz="1400" b="0" dirty="0">
+                <a:effectLst/>
+                <a:latin typeface="Consolas" panose="020B0609020204030204" pitchFamily="49" charset="0"/>
+              </a:rPr>
+              <a:t>, (k, l, r, t) in enumerate(zip(</a:t>
+            </a:r>
+          </a:p>
+          <a:p>
+            <a:pPr marL="0" indent="0">
+              <a:spcBef>
+                <a:spcPts val="0"/>
+              </a:spcBef>
+              <a:buNone/>
+            </a:pPr>
+            <a:r>
+              <a:rPr lang="en-US" sz="1400" b="0" dirty="0">
+                <a:effectLst/>
+                <a:latin typeface="Consolas" panose="020B0609020204030204" pitchFamily="49" charset="0"/>
+              </a:rPr>
+              <a:t>                [k_0, </a:t>
+            </a:r>
+            <a:r>
+              <a:rPr lang="en-US" sz="1400" b="0" dirty="0" err="1">
+                <a:effectLst/>
+                <a:latin typeface="Consolas" panose="020B0609020204030204" pitchFamily="49" charset="0"/>
+              </a:rPr>
+              <a:t>k_s</a:t>
+            </a:r>
+            <a:r>
+              <a:rPr lang="en-US" sz="1400" b="0" dirty="0">
+                <a:effectLst/>
+                <a:latin typeface="Consolas" panose="020B0609020204030204" pitchFamily="49" charset="0"/>
+              </a:rPr>
+              <a:t>, k_0, </a:t>
+            </a:r>
+            <a:r>
+              <a:rPr lang="en-US" sz="1400" b="0" dirty="0" err="1">
+                <a:effectLst/>
+                <a:latin typeface="Consolas" panose="020B0609020204030204" pitchFamily="49" charset="0"/>
+              </a:rPr>
+              <a:t>k_s</a:t>
+            </a:r>
+            <a:r>
+              <a:rPr lang="en-US" sz="1400" b="0" dirty="0">
+                <a:effectLst/>
+                <a:latin typeface="Consolas" panose="020B0609020204030204" pitchFamily="49" charset="0"/>
+              </a:rPr>
+              <a:t>],</a:t>
+            </a:r>
+          </a:p>
+          <a:p>
+            <a:pPr marL="0" indent="0">
+              <a:spcBef>
+                <a:spcPts val="0"/>
+              </a:spcBef>
+              <a:buNone/>
+            </a:pPr>
+            <a:r>
+              <a:rPr lang="en-US" sz="1400" b="0" dirty="0">
+                <a:effectLst/>
+                <a:latin typeface="Consolas" panose="020B0609020204030204" pitchFamily="49" charset="0"/>
+              </a:rPr>
+              <a:t>                [d1, d2 - d1, d3 - d2, d4 - d3],</a:t>
+            </a:r>
+          </a:p>
+          <a:p>
+            <a:pPr marL="0" indent="0">
+              <a:spcBef>
+                <a:spcPts val="0"/>
+              </a:spcBef>
+              <a:buNone/>
+            </a:pPr>
+            <a:r>
+              <a:rPr lang="en-US" sz="1400" b="0" dirty="0">
+                <a:effectLst/>
+                <a:latin typeface="Consolas" panose="020B0609020204030204" pitchFamily="49" charset="0"/>
+              </a:rPr>
+              <a:t>                [</a:t>
+            </a:r>
+            <a:r>
+              <a:rPr lang="en-US" sz="1400" b="0" dirty="0" err="1">
+                <a:effectLst/>
+                <a:latin typeface="Consolas" panose="020B0609020204030204" pitchFamily="49" charset="0"/>
+              </a:rPr>
+              <a:t>r_s</a:t>
+            </a:r>
+            <a:r>
+              <a:rPr lang="en-US" sz="1400" b="0" dirty="0">
+                <a:effectLst/>
+                <a:latin typeface="Consolas" panose="020B0609020204030204" pitchFamily="49" charset="0"/>
+              </a:rPr>
+              <a:t>, r_0, </a:t>
+            </a:r>
+            <a:r>
+              <a:rPr lang="en-US" sz="1400" b="0" dirty="0" err="1">
+                <a:effectLst/>
+                <a:latin typeface="Consolas" panose="020B0609020204030204" pitchFamily="49" charset="0"/>
+              </a:rPr>
+              <a:t>r_s</a:t>
+            </a:r>
+            <a:r>
+              <a:rPr lang="en-US" sz="1400" b="0" dirty="0">
+                <a:effectLst/>
+                <a:latin typeface="Consolas" panose="020B0609020204030204" pitchFamily="49" charset="0"/>
+              </a:rPr>
+              <a:t>, r_0],</a:t>
+            </a:r>
+          </a:p>
+          <a:p>
+            <a:pPr marL="0" indent="0">
+              <a:spcBef>
+                <a:spcPts val="0"/>
+              </a:spcBef>
+              <a:buNone/>
+            </a:pPr>
+            <a:r>
+              <a:rPr lang="en-US" sz="1400" b="0" dirty="0">
+                <a:effectLst/>
+                <a:latin typeface="Consolas" panose="020B0609020204030204" pitchFamily="49" charset="0"/>
+              </a:rPr>
+              <a:t>                [</a:t>
+            </a:r>
+            <a:r>
+              <a:rPr lang="en-US" sz="1400" b="0" dirty="0" err="1">
+                <a:effectLst/>
+                <a:latin typeface="Consolas" panose="020B0609020204030204" pitchFamily="49" charset="0"/>
+              </a:rPr>
+              <a:t>t_s</a:t>
+            </a:r>
+            <a:r>
+              <a:rPr lang="en-US" sz="1400" b="0" dirty="0">
+                <a:effectLst/>
+                <a:latin typeface="Consolas" panose="020B0609020204030204" pitchFamily="49" charset="0"/>
+              </a:rPr>
+              <a:t>, t_0, </a:t>
+            </a:r>
+            <a:r>
+              <a:rPr lang="en-US" sz="1400" b="0" dirty="0" err="1">
+                <a:effectLst/>
+                <a:latin typeface="Consolas" panose="020B0609020204030204" pitchFamily="49" charset="0"/>
+              </a:rPr>
+              <a:t>t_s</a:t>
+            </a:r>
+            <a:r>
+              <a:rPr lang="en-US" sz="1400" b="0" dirty="0">
+                <a:effectLst/>
+                <a:latin typeface="Consolas" panose="020B0609020204030204" pitchFamily="49" charset="0"/>
+              </a:rPr>
+              <a:t>, t_0])):</a:t>
+            </a:r>
+          </a:p>
+          <a:p>
+            <a:pPr marL="0" indent="0">
+              <a:spcBef>
+                <a:spcPts val="0"/>
+              </a:spcBef>
+              <a:buNone/>
+            </a:pPr>
+            <a:br>
+              <a:rPr lang="en-US" sz="1400" b="0" dirty="0">
+                <a:effectLst/>
+                <a:latin typeface="Consolas" panose="020B0609020204030204" pitchFamily="49" charset="0"/>
+              </a:rPr>
+            </a:br>
+            <a:r>
+              <a:rPr lang="en-US" sz="1400" b="0" dirty="0">
+                <a:effectLst/>
+                <a:latin typeface="Consolas" panose="020B0609020204030204" pitchFamily="49" charset="0"/>
+              </a:rPr>
+              <a:t>            A[i+1] = 1/t * </a:t>
+            </a:r>
+            <a:r>
+              <a:rPr lang="en-US" sz="1400" b="0" dirty="0" err="1">
+                <a:effectLst/>
+                <a:latin typeface="Consolas" panose="020B0609020204030204" pitchFamily="49" charset="0"/>
+              </a:rPr>
+              <a:t>np.exp</a:t>
+            </a:r>
+            <a:r>
+              <a:rPr lang="en-US" sz="1400" b="0" dirty="0">
+                <a:effectLst/>
+                <a:latin typeface="Consolas" panose="020B0609020204030204" pitchFamily="49" charset="0"/>
+              </a:rPr>
+              <a:t>(-1j*k*l) * A[</a:t>
+            </a:r>
+            <a:r>
+              <a:rPr lang="en-US" sz="1400" b="0" dirty="0" err="1">
+                <a:effectLst/>
+                <a:latin typeface="Consolas" panose="020B0609020204030204" pitchFamily="49" charset="0"/>
+              </a:rPr>
+              <a:t>i</a:t>
+            </a:r>
+            <a:r>
+              <a:rPr lang="en-US" sz="1400" b="0" dirty="0">
+                <a:effectLst/>
+                <a:latin typeface="Consolas" panose="020B0609020204030204" pitchFamily="49" charset="0"/>
+              </a:rPr>
+              <a:t>] + r/t * </a:t>
+            </a:r>
+            <a:r>
+              <a:rPr lang="en-US" sz="1400" b="0" dirty="0" err="1">
+                <a:effectLst/>
+                <a:latin typeface="Consolas" panose="020B0609020204030204" pitchFamily="49" charset="0"/>
+              </a:rPr>
+              <a:t>np.exp</a:t>
+            </a:r>
+            <a:r>
+              <a:rPr lang="en-US" sz="1400" b="0" dirty="0">
+                <a:effectLst/>
+                <a:latin typeface="Consolas" panose="020B0609020204030204" pitchFamily="49" charset="0"/>
+              </a:rPr>
+              <a:t>(1j*k*l) * B[</a:t>
+            </a:r>
+            <a:r>
+              <a:rPr lang="en-US" sz="1400" b="0" dirty="0" err="1">
+                <a:effectLst/>
+                <a:latin typeface="Consolas" panose="020B0609020204030204" pitchFamily="49" charset="0"/>
+              </a:rPr>
+              <a:t>i</a:t>
+            </a:r>
+            <a:r>
+              <a:rPr lang="en-US" sz="1400" b="0" dirty="0">
+                <a:effectLst/>
+                <a:latin typeface="Consolas" panose="020B0609020204030204" pitchFamily="49" charset="0"/>
+              </a:rPr>
+              <a:t>]</a:t>
+            </a:r>
+          </a:p>
+          <a:p>
+            <a:pPr marL="0" indent="0">
+              <a:spcBef>
+                <a:spcPts val="0"/>
+              </a:spcBef>
+              <a:buNone/>
+            </a:pPr>
+            <a:r>
+              <a:rPr lang="en-US" sz="1400" b="0" dirty="0">
+                <a:effectLst/>
+                <a:latin typeface="Consolas" panose="020B0609020204030204" pitchFamily="49" charset="0"/>
+              </a:rPr>
+              <a:t>            B[i+1] = r/t * </a:t>
+            </a:r>
+            <a:r>
+              <a:rPr lang="en-US" sz="1400" b="0" dirty="0" err="1">
+                <a:effectLst/>
+                <a:latin typeface="Consolas" panose="020B0609020204030204" pitchFamily="49" charset="0"/>
+              </a:rPr>
+              <a:t>np.exp</a:t>
+            </a:r>
+            <a:r>
+              <a:rPr lang="en-US" sz="1400" b="0" dirty="0">
+                <a:effectLst/>
+                <a:latin typeface="Consolas" panose="020B0609020204030204" pitchFamily="49" charset="0"/>
+              </a:rPr>
+              <a:t>(-1j*k*l) * A[</a:t>
+            </a:r>
+            <a:r>
+              <a:rPr lang="en-US" sz="1400" b="0" dirty="0" err="1">
+                <a:effectLst/>
+                <a:latin typeface="Consolas" panose="020B0609020204030204" pitchFamily="49" charset="0"/>
+              </a:rPr>
+              <a:t>i</a:t>
+            </a:r>
+            <a:r>
+              <a:rPr lang="en-US" sz="1400" b="0" dirty="0">
+                <a:effectLst/>
+                <a:latin typeface="Consolas" panose="020B0609020204030204" pitchFamily="49" charset="0"/>
+              </a:rPr>
+              <a:t>] + 1/t * </a:t>
+            </a:r>
+            <a:r>
+              <a:rPr lang="en-US" sz="1400" b="0" dirty="0" err="1">
+                <a:effectLst/>
+                <a:latin typeface="Consolas" panose="020B0609020204030204" pitchFamily="49" charset="0"/>
+              </a:rPr>
+              <a:t>np.exp</a:t>
+            </a:r>
+            <a:r>
+              <a:rPr lang="en-US" sz="1400" b="0" dirty="0">
+                <a:effectLst/>
+                <a:latin typeface="Consolas" panose="020B0609020204030204" pitchFamily="49" charset="0"/>
+              </a:rPr>
+              <a:t>(1j*k*l) * B[</a:t>
+            </a:r>
+            <a:r>
+              <a:rPr lang="en-US" sz="1400" b="0" dirty="0" err="1">
+                <a:effectLst/>
+                <a:latin typeface="Consolas" panose="020B0609020204030204" pitchFamily="49" charset="0"/>
+              </a:rPr>
+              <a:t>i</a:t>
+            </a:r>
+            <a:r>
+              <a:rPr lang="en-US" sz="1400" b="0" dirty="0">
+                <a:effectLst/>
+                <a:latin typeface="Consolas" panose="020B0609020204030204" pitchFamily="49" charset="0"/>
+              </a:rPr>
+              <a:t>]</a:t>
+            </a:r>
+          </a:p>
+          <a:p>
+            <a:pPr marL="0" indent="0">
+              <a:buNone/>
+            </a:pPr>
+            <a:endParaRPr lang="en-US" sz="2300" dirty="0">
+              <a:latin typeface="Consolas" panose="020B0609020204030204" pitchFamily="49" charset="0"/>
+            </a:endParaRPr>
+          </a:p>
+          <a:p>
+            <a:pPr marL="0" indent="0">
+              <a:spcBef>
+                <a:spcPts val="0"/>
+              </a:spcBef>
+              <a:buNone/>
+            </a:pPr>
+            <a:r>
+              <a:rPr lang="en-US" sz="1400" b="0" dirty="0">
+                <a:solidFill>
+                  <a:srgbClr val="6A9955"/>
+                </a:solidFill>
+                <a:effectLst/>
+                <a:latin typeface="Consolas" panose="020B0609020204030204" pitchFamily="49" charset="0"/>
+              </a:rPr>
+              <a:t># Calculate waves to the right (</a:t>
+            </a:r>
+            <a:r>
+              <a:rPr lang="en-US" sz="1400" b="0" dirty="0" err="1">
+                <a:solidFill>
+                  <a:srgbClr val="6A9955"/>
+                </a:solidFill>
+                <a:effectLst/>
+                <a:latin typeface="Consolas" panose="020B0609020204030204" pitchFamily="49" charset="0"/>
+              </a:rPr>
+              <a:t>E_r</a:t>
+            </a:r>
+            <a:r>
+              <a:rPr lang="en-US" sz="1400" b="0" dirty="0">
+                <a:solidFill>
+                  <a:srgbClr val="6A9955"/>
+                </a:solidFill>
+                <a:effectLst/>
+                <a:latin typeface="Consolas" panose="020B0609020204030204" pitchFamily="49" charset="0"/>
+              </a:rPr>
+              <a:t>) and to the left (</a:t>
+            </a:r>
+            <a:r>
+              <a:rPr lang="en-US" sz="1400" b="0" dirty="0" err="1">
+                <a:solidFill>
+                  <a:srgbClr val="6A9955"/>
+                </a:solidFill>
+                <a:effectLst/>
+                <a:latin typeface="Consolas" panose="020B0609020204030204" pitchFamily="49" charset="0"/>
+              </a:rPr>
+              <a:t>E_l</a:t>
+            </a:r>
+            <a:r>
+              <a:rPr lang="en-US" sz="1400" b="0" dirty="0">
+                <a:solidFill>
+                  <a:srgbClr val="6A9955"/>
+                </a:solidFill>
+                <a:effectLst/>
+                <a:latin typeface="Consolas" panose="020B0609020204030204" pitchFamily="49" charset="0"/>
+              </a:rPr>
+              <a:t>) using wave function,</a:t>
+            </a:r>
+            <a:endParaRPr lang="en-US" sz="1400" b="0" dirty="0">
+              <a:solidFill>
+                <a:srgbClr val="CCCCCC"/>
+              </a:solidFill>
+              <a:effectLst/>
+              <a:latin typeface="Consolas" panose="020B0609020204030204" pitchFamily="49" charset="0"/>
+            </a:endParaRPr>
+          </a:p>
+          <a:p>
+            <a:pPr marL="0" indent="0">
+              <a:spcBef>
+                <a:spcPts val="0"/>
+              </a:spcBef>
+              <a:buNone/>
+            </a:pPr>
+            <a:r>
+              <a:rPr lang="en-US" sz="1400" b="0" dirty="0">
+                <a:solidFill>
+                  <a:srgbClr val="6A9955"/>
+                </a:solidFill>
+                <a:effectLst/>
+                <a:latin typeface="Consolas" panose="020B0609020204030204" pitchFamily="49" charset="0"/>
+              </a:rPr>
+              <a:t># function of (</a:t>
+            </a:r>
+            <a:r>
+              <a:rPr lang="en-US" sz="1400" b="0" dirty="0" err="1">
+                <a:solidFill>
+                  <a:srgbClr val="6A9955"/>
+                </a:solidFill>
+                <a:effectLst/>
+                <a:latin typeface="Consolas" panose="020B0609020204030204" pitchFamily="49" charset="0"/>
+              </a:rPr>
+              <a:t>freqs</a:t>
+            </a:r>
+            <a:r>
+              <a:rPr lang="en-US" sz="1400" b="0" dirty="0">
+                <a:solidFill>
+                  <a:srgbClr val="6A9955"/>
+                </a:solidFill>
+                <a:effectLst/>
+                <a:latin typeface="Consolas" panose="020B0609020204030204" pitchFamily="49" charset="0"/>
+              </a:rPr>
+              <a:t>, </a:t>
+            </a:r>
+            <a:r>
+              <a:rPr lang="en-US" sz="1400" b="0" dirty="0" err="1">
+                <a:solidFill>
+                  <a:srgbClr val="6A9955"/>
+                </a:solidFill>
+                <a:effectLst/>
+                <a:latin typeface="Consolas" panose="020B0609020204030204" pitchFamily="49" charset="0"/>
+              </a:rPr>
+              <a:t>z_local</a:t>
+            </a:r>
+            <a:r>
+              <a:rPr lang="en-US" sz="1400" b="0" dirty="0">
+                <a:solidFill>
+                  <a:srgbClr val="6A9955"/>
+                </a:solidFill>
+                <a:effectLst/>
+                <a:latin typeface="Consolas" panose="020B0609020204030204" pitchFamily="49" charset="0"/>
+              </a:rPr>
+              <a:t>)</a:t>
+            </a:r>
+            <a:endParaRPr lang="en-US" sz="1400" b="0" dirty="0">
+              <a:solidFill>
+                <a:srgbClr val="CCCCCC"/>
+              </a:solidFill>
+              <a:effectLst/>
+              <a:latin typeface="Consolas" panose="020B0609020204030204" pitchFamily="49" charset="0"/>
+            </a:endParaRPr>
+          </a:p>
+          <a:p>
+            <a:pPr marL="0" indent="0">
+              <a:spcBef>
+                <a:spcPts val="0"/>
+              </a:spcBef>
+              <a:buNone/>
+            </a:pPr>
+            <a:r>
+              <a:rPr lang="en-US" sz="1400" b="0" dirty="0">
+                <a:solidFill>
+                  <a:srgbClr val="CCCCCC"/>
+                </a:solidFill>
+                <a:effectLst/>
+                <a:latin typeface="Consolas" panose="020B0609020204030204" pitchFamily="49" charset="0"/>
+              </a:rPr>
+              <a:t>        </a:t>
+            </a:r>
+            <a:r>
+              <a:rPr lang="en-US" sz="1400" b="0" dirty="0" err="1">
+                <a:effectLst/>
+                <a:latin typeface="Consolas" panose="020B0609020204030204" pitchFamily="49" charset="0"/>
+              </a:rPr>
+              <a:t>z_i</a:t>
+            </a:r>
+            <a:r>
+              <a:rPr lang="en-US" sz="1400" b="0" dirty="0">
+                <a:effectLst/>
+                <a:latin typeface="Consolas" panose="020B0609020204030204" pitchFamily="49" charset="0"/>
+              </a:rPr>
+              <a:t> = 0</a:t>
+            </a:r>
+          </a:p>
+          <a:p>
+            <a:pPr marL="0" indent="0">
+              <a:spcBef>
+                <a:spcPts val="0"/>
+              </a:spcBef>
+              <a:buNone/>
+            </a:pPr>
+            <a:r>
+              <a:rPr lang="en-US" sz="1400" b="0" dirty="0">
+                <a:effectLst/>
+                <a:latin typeface="Consolas" panose="020B0609020204030204" pitchFamily="49" charset="0"/>
+              </a:rPr>
+              <a:t>        for </a:t>
+            </a:r>
+            <a:r>
+              <a:rPr lang="en-US" sz="1400" b="0" dirty="0" err="1">
+                <a:effectLst/>
+                <a:latin typeface="Consolas" panose="020B0609020204030204" pitchFamily="49" charset="0"/>
+              </a:rPr>
+              <a:t>i</a:t>
+            </a:r>
+            <a:r>
+              <a:rPr lang="en-US" sz="1400" b="0" dirty="0">
+                <a:effectLst/>
+                <a:latin typeface="Consolas" panose="020B0609020204030204" pitchFamily="49" charset="0"/>
+              </a:rPr>
+              <a:t>, k in enumerate([k_0, </a:t>
+            </a:r>
+            <a:r>
+              <a:rPr lang="en-US" sz="1400" b="0" dirty="0" err="1">
+                <a:effectLst/>
+                <a:latin typeface="Consolas" panose="020B0609020204030204" pitchFamily="49" charset="0"/>
+              </a:rPr>
+              <a:t>k_s</a:t>
+            </a:r>
+            <a:r>
+              <a:rPr lang="en-US" sz="1400" b="0" dirty="0">
+                <a:effectLst/>
+                <a:latin typeface="Consolas" panose="020B0609020204030204" pitchFamily="49" charset="0"/>
+              </a:rPr>
+              <a:t>, k_0, </a:t>
+            </a:r>
+            <a:r>
+              <a:rPr lang="en-US" sz="1400" b="0" dirty="0" err="1">
+                <a:effectLst/>
+                <a:latin typeface="Consolas" panose="020B0609020204030204" pitchFamily="49" charset="0"/>
+              </a:rPr>
+              <a:t>k_s</a:t>
+            </a:r>
+            <a:r>
+              <a:rPr lang="en-US" sz="1400" b="0" dirty="0">
+                <a:effectLst/>
+                <a:latin typeface="Consolas" panose="020B0609020204030204" pitchFamily="49" charset="0"/>
+              </a:rPr>
+              <a:t>, k_0]):</a:t>
+            </a:r>
+          </a:p>
+          <a:p>
+            <a:pPr marL="0" indent="0">
+              <a:spcBef>
+                <a:spcPts val="0"/>
+              </a:spcBef>
+              <a:buNone/>
+            </a:pPr>
+            <a:br>
+              <a:rPr lang="en-US" sz="1400" b="0" dirty="0">
+                <a:effectLst/>
+                <a:latin typeface="Consolas" panose="020B0609020204030204" pitchFamily="49" charset="0"/>
+              </a:rPr>
+            </a:br>
+            <a:r>
+              <a:rPr lang="en-US" sz="1400" b="0" dirty="0">
+                <a:effectLst/>
+                <a:latin typeface="Consolas" panose="020B0609020204030204" pitchFamily="49" charset="0"/>
+              </a:rPr>
+              <a:t>            </a:t>
+            </a:r>
+            <a:r>
+              <a:rPr lang="en-US" sz="1400" b="0" dirty="0" err="1">
+                <a:effectLst/>
+                <a:latin typeface="Consolas" panose="020B0609020204030204" pitchFamily="49" charset="0"/>
+              </a:rPr>
+              <a:t>E_r</a:t>
+            </a:r>
+            <a:r>
+              <a:rPr lang="en-US" sz="1400" b="0" dirty="0">
+                <a:effectLst/>
+                <a:latin typeface="Consolas" panose="020B0609020204030204" pitchFamily="49" charset="0"/>
+              </a:rPr>
+              <a:t>[</a:t>
+            </a:r>
+            <a:r>
+              <a:rPr lang="en-US" sz="1400" b="0" dirty="0" err="1">
+                <a:effectLst/>
+                <a:latin typeface="Consolas" panose="020B0609020204030204" pitchFamily="49" charset="0"/>
+              </a:rPr>
+              <a:t>z_i</a:t>
+            </a:r>
+            <a:r>
+              <a:rPr lang="en-US" sz="1400" b="0" dirty="0">
+                <a:effectLst/>
+                <a:latin typeface="Consolas" panose="020B0609020204030204" pitchFamily="49" charset="0"/>
+              </a:rPr>
+              <a:t>: </a:t>
+            </a:r>
+            <a:r>
+              <a:rPr lang="en-US" sz="1400" b="0" dirty="0" err="1">
+                <a:effectLst/>
+                <a:latin typeface="Consolas" panose="020B0609020204030204" pitchFamily="49" charset="0"/>
+              </a:rPr>
+              <a:t>z_i+len</a:t>
+            </a:r>
+            <a:r>
+              <a:rPr lang="en-US" sz="1400" b="0" dirty="0">
+                <a:effectLst/>
+                <a:latin typeface="Consolas" panose="020B0609020204030204" pitchFamily="49" charset="0"/>
+              </a:rPr>
+              <a:t>(</a:t>
+            </a:r>
+            <a:r>
+              <a:rPr lang="en-US" sz="1400" b="0" dirty="0" err="1">
+                <a:effectLst/>
+                <a:latin typeface="Consolas" panose="020B0609020204030204" pitchFamily="49" charset="0"/>
+              </a:rPr>
+              <a:t>z_local</a:t>
+            </a:r>
+            <a:r>
+              <a:rPr lang="en-US" sz="1400" b="0" dirty="0">
+                <a:effectLst/>
+                <a:latin typeface="Consolas" panose="020B0609020204030204" pitchFamily="49" charset="0"/>
+              </a:rPr>
+              <a:t>[</a:t>
+            </a:r>
+            <a:r>
+              <a:rPr lang="en-US" sz="1400" b="0" dirty="0" err="1">
+                <a:effectLst/>
+                <a:latin typeface="Consolas" panose="020B0609020204030204" pitchFamily="49" charset="0"/>
+              </a:rPr>
+              <a:t>i</a:t>
+            </a:r>
+            <a:r>
+              <a:rPr lang="en-US" sz="1400" b="0" dirty="0">
+                <a:effectLst/>
+                <a:latin typeface="Consolas" panose="020B0609020204030204" pitchFamily="49" charset="0"/>
+              </a:rPr>
+              <a:t>])] = A[</a:t>
+            </a:r>
+            <a:r>
+              <a:rPr lang="en-US" sz="1400" b="0" dirty="0" err="1">
+                <a:effectLst/>
+                <a:latin typeface="Consolas" panose="020B0609020204030204" pitchFamily="49" charset="0"/>
+              </a:rPr>
+              <a:t>i</a:t>
+            </a:r>
+            <a:r>
+              <a:rPr lang="en-US" sz="1400" b="0" dirty="0">
+                <a:effectLst/>
+                <a:latin typeface="Consolas" panose="020B0609020204030204" pitchFamily="49" charset="0"/>
+              </a:rPr>
+              <a:t>] * </a:t>
+            </a:r>
+            <a:r>
+              <a:rPr lang="en-US" sz="1400" b="0" dirty="0" err="1">
+                <a:effectLst/>
+                <a:latin typeface="Consolas" panose="020B0609020204030204" pitchFamily="49" charset="0"/>
+              </a:rPr>
+              <a:t>np.exp</a:t>
+            </a:r>
+            <a:r>
+              <a:rPr lang="en-US" sz="1400" b="0" dirty="0">
+                <a:effectLst/>
+                <a:latin typeface="Consolas" panose="020B0609020204030204" pitchFamily="49" charset="0"/>
+              </a:rPr>
+              <a:t>(-1j*</a:t>
+            </a:r>
+            <a:r>
+              <a:rPr lang="en-US" sz="1400" b="0" dirty="0" err="1">
+                <a:effectLst/>
+                <a:latin typeface="Consolas" panose="020B0609020204030204" pitchFamily="49" charset="0"/>
+              </a:rPr>
+              <a:t>np.outer</a:t>
+            </a:r>
+            <a:r>
+              <a:rPr lang="en-US" sz="1400" b="0" dirty="0">
+                <a:effectLst/>
+                <a:latin typeface="Consolas" panose="020B0609020204030204" pitchFamily="49" charset="0"/>
+              </a:rPr>
+              <a:t>(k, </a:t>
+            </a:r>
+            <a:r>
+              <a:rPr lang="en-US" sz="1400" b="0" dirty="0" err="1">
+                <a:effectLst/>
+                <a:latin typeface="Consolas" panose="020B0609020204030204" pitchFamily="49" charset="0"/>
+              </a:rPr>
+              <a:t>z_local</a:t>
+            </a:r>
+            <a:r>
+              <a:rPr lang="en-US" sz="1400" b="0" dirty="0">
+                <a:effectLst/>
+                <a:latin typeface="Consolas" panose="020B0609020204030204" pitchFamily="49" charset="0"/>
+              </a:rPr>
+              <a:t>[</a:t>
+            </a:r>
+            <a:r>
+              <a:rPr lang="en-US" sz="1400" b="0" dirty="0" err="1">
+                <a:effectLst/>
+                <a:latin typeface="Consolas" panose="020B0609020204030204" pitchFamily="49" charset="0"/>
+              </a:rPr>
+              <a:t>i</a:t>
+            </a:r>
+            <a:r>
+              <a:rPr lang="en-US" sz="1400" b="0" dirty="0">
+                <a:effectLst/>
+                <a:latin typeface="Consolas" panose="020B0609020204030204" pitchFamily="49" charset="0"/>
+              </a:rPr>
+              <a:t>])).T</a:t>
+            </a:r>
+          </a:p>
+          <a:p>
+            <a:pPr marL="0" indent="0">
+              <a:spcBef>
+                <a:spcPts val="0"/>
+              </a:spcBef>
+              <a:buNone/>
+            </a:pPr>
+            <a:r>
+              <a:rPr lang="en-US" sz="1400" b="0" dirty="0">
+                <a:effectLst/>
+                <a:latin typeface="Consolas" panose="020B0609020204030204" pitchFamily="49" charset="0"/>
+              </a:rPr>
+              <a:t>            </a:t>
+            </a:r>
+            <a:r>
+              <a:rPr lang="en-US" sz="1400" b="0" dirty="0" err="1">
+                <a:effectLst/>
+                <a:latin typeface="Consolas" panose="020B0609020204030204" pitchFamily="49" charset="0"/>
+              </a:rPr>
+              <a:t>E_l</a:t>
+            </a:r>
+            <a:r>
+              <a:rPr lang="en-US" sz="1400" b="0" dirty="0">
+                <a:effectLst/>
+                <a:latin typeface="Consolas" panose="020B0609020204030204" pitchFamily="49" charset="0"/>
+              </a:rPr>
+              <a:t>[</a:t>
+            </a:r>
+            <a:r>
+              <a:rPr lang="en-US" sz="1400" b="0" dirty="0" err="1">
+                <a:effectLst/>
+                <a:latin typeface="Consolas" panose="020B0609020204030204" pitchFamily="49" charset="0"/>
+              </a:rPr>
+              <a:t>z_i</a:t>
+            </a:r>
+            <a:r>
+              <a:rPr lang="en-US" sz="1400" b="0" dirty="0">
+                <a:effectLst/>
+                <a:latin typeface="Consolas" panose="020B0609020204030204" pitchFamily="49" charset="0"/>
+              </a:rPr>
+              <a:t>: </a:t>
+            </a:r>
+            <a:r>
+              <a:rPr lang="en-US" sz="1400" b="0" dirty="0" err="1">
+                <a:effectLst/>
+                <a:latin typeface="Consolas" panose="020B0609020204030204" pitchFamily="49" charset="0"/>
+              </a:rPr>
+              <a:t>z_i+len</a:t>
+            </a:r>
+            <a:r>
+              <a:rPr lang="en-US" sz="1400" b="0" dirty="0">
+                <a:effectLst/>
+                <a:latin typeface="Consolas" panose="020B0609020204030204" pitchFamily="49" charset="0"/>
+              </a:rPr>
+              <a:t>(</a:t>
+            </a:r>
+            <a:r>
+              <a:rPr lang="en-US" sz="1400" b="0" dirty="0" err="1">
+                <a:effectLst/>
+                <a:latin typeface="Consolas" panose="020B0609020204030204" pitchFamily="49" charset="0"/>
+              </a:rPr>
+              <a:t>z_local</a:t>
+            </a:r>
+            <a:r>
+              <a:rPr lang="en-US" sz="1400" b="0" dirty="0">
+                <a:effectLst/>
+                <a:latin typeface="Consolas" panose="020B0609020204030204" pitchFamily="49" charset="0"/>
+              </a:rPr>
+              <a:t>[</a:t>
+            </a:r>
+            <a:r>
+              <a:rPr lang="en-US" sz="1400" b="0" dirty="0" err="1">
+                <a:effectLst/>
+                <a:latin typeface="Consolas" panose="020B0609020204030204" pitchFamily="49" charset="0"/>
+              </a:rPr>
+              <a:t>i</a:t>
+            </a:r>
+            <a:r>
+              <a:rPr lang="en-US" sz="1400" b="0" dirty="0">
+                <a:effectLst/>
+                <a:latin typeface="Consolas" panose="020B0609020204030204" pitchFamily="49" charset="0"/>
+              </a:rPr>
+              <a:t>])] = B[</a:t>
+            </a:r>
+            <a:r>
+              <a:rPr lang="en-US" sz="1400" b="0" dirty="0" err="1">
+                <a:effectLst/>
+                <a:latin typeface="Consolas" panose="020B0609020204030204" pitchFamily="49" charset="0"/>
+              </a:rPr>
+              <a:t>i</a:t>
+            </a:r>
+            <a:r>
+              <a:rPr lang="en-US" sz="1400" b="0" dirty="0">
+                <a:effectLst/>
+                <a:latin typeface="Consolas" panose="020B0609020204030204" pitchFamily="49" charset="0"/>
+              </a:rPr>
+              <a:t>] * </a:t>
+            </a:r>
+            <a:r>
+              <a:rPr lang="en-US" sz="1400" b="0" dirty="0" err="1">
+                <a:effectLst/>
+                <a:latin typeface="Consolas" panose="020B0609020204030204" pitchFamily="49" charset="0"/>
+              </a:rPr>
+              <a:t>np.exp</a:t>
+            </a:r>
+            <a:r>
+              <a:rPr lang="en-US" sz="1400" b="0" dirty="0">
+                <a:effectLst/>
+                <a:latin typeface="Consolas" panose="020B0609020204030204" pitchFamily="49" charset="0"/>
+              </a:rPr>
+              <a:t>(1j*</a:t>
+            </a:r>
+            <a:r>
+              <a:rPr lang="en-US" sz="1400" b="0" dirty="0" err="1">
+                <a:effectLst/>
+                <a:latin typeface="Consolas" panose="020B0609020204030204" pitchFamily="49" charset="0"/>
+              </a:rPr>
+              <a:t>np.outer</a:t>
+            </a:r>
+            <a:r>
+              <a:rPr lang="en-US" sz="1400" b="0" dirty="0">
+                <a:effectLst/>
+                <a:latin typeface="Consolas" panose="020B0609020204030204" pitchFamily="49" charset="0"/>
+              </a:rPr>
+              <a:t>(k, </a:t>
+            </a:r>
+            <a:r>
+              <a:rPr lang="en-US" sz="1400" b="0" dirty="0" err="1">
+                <a:effectLst/>
+                <a:latin typeface="Consolas" panose="020B0609020204030204" pitchFamily="49" charset="0"/>
+              </a:rPr>
+              <a:t>z_local</a:t>
+            </a:r>
+            <a:r>
+              <a:rPr lang="en-US" sz="1400" b="0" dirty="0">
+                <a:effectLst/>
+                <a:latin typeface="Consolas" panose="020B0609020204030204" pitchFamily="49" charset="0"/>
+              </a:rPr>
+              <a:t>[</a:t>
+            </a:r>
+            <a:r>
+              <a:rPr lang="en-US" sz="1400" b="0" dirty="0" err="1">
+                <a:effectLst/>
+                <a:latin typeface="Consolas" panose="020B0609020204030204" pitchFamily="49" charset="0"/>
+              </a:rPr>
+              <a:t>i</a:t>
+            </a:r>
+            <a:r>
+              <a:rPr lang="en-US" sz="1400" b="0" dirty="0">
+                <a:effectLst/>
+                <a:latin typeface="Consolas" panose="020B0609020204030204" pitchFamily="49" charset="0"/>
+              </a:rPr>
+              <a:t>])).T</a:t>
+            </a:r>
+          </a:p>
+          <a:p>
+            <a:pPr marL="0" indent="0">
+              <a:spcBef>
+                <a:spcPts val="0"/>
+              </a:spcBef>
+              <a:buNone/>
+            </a:pPr>
+            <a:r>
+              <a:rPr lang="en-US" sz="1400" b="0" dirty="0">
+                <a:effectLst/>
+                <a:latin typeface="Consolas" panose="020B0609020204030204" pitchFamily="49" charset="0"/>
+              </a:rPr>
+              <a:t>            </a:t>
+            </a:r>
+            <a:r>
+              <a:rPr lang="en-US" sz="1400" b="0" dirty="0" err="1">
+                <a:effectLst/>
+                <a:latin typeface="Consolas" panose="020B0609020204030204" pitchFamily="49" charset="0"/>
+              </a:rPr>
+              <a:t>z_i</a:t>
+            </a:r>
+            <a:r>
+              <a:rPr lang="en-US" sz="1400" b="0" dirty="0">
+                <a:effectLst/>
+                <a:latin typeface="Consolas" panose="020B0609020204030204" pitchFamily="49" charset="0"/>
+              </a:rPr>
+              <a:t> += </a:t>
+            </a:r>
+            <a:r>
+              <a:rPr lang="en-US" sz="1400" b="0" dirty="0" err="1">
+                <a:effectLst/>
+                <a:latin typeface="Consolas" panose="020B0609020204030204" pitchFamily="49" charset="0"/>
+              </a:rPr>
+              <a:t>len</a:t>
+            </a:r>
+            <a:r>
+              <a:rPr lang="en-US" sz="1400" b="0" dirty="0">
+                <a:effectLst/>
+                <a:latin typeface="Consolas" panose="020B0609020204030204" pitchFamily="49" charset="0"/>
+              </a:rPr>
+              <a:t>(</a:t>
+            </a:r>
+            <a:r>
+              <a:rPr lang="en-US" sz="1400" b="0" dirty="0" err="1">
+                <a:effectLst/>
+                <a:latin typeface="Consolas" panose="020B0609020204030204" pitchFamily="49" charset="0"/>
+              </a:rPr>
+              <a:t>z_local</a:t>
+            </a:r>
+            <a:r>
+              <a:rPr lang="en-US" sz="1400" b="0" dirty="0">
+                <a:effectLst/>
+                <a:latin typeface="Consolas" panose="020B0609020204030204" pitchFamily="49" charset="0"/>
+              </a:rPr>
+              <a:t>[</a:t>
+            </a:r>
+            <a:r>
+              <a:rPr lang="en-US" sz="1400" b="0" dirty="0" err="1">
+                <a:effectLst/>
+                <a:latin typeface="Consolas" panose="020B0609020204030204" pitchFamily="49" charset="0"/>
+              </a:rPr>
+              <a:t>i</a:t>
+            </a:r>
+            <a:r>
+              <a:rPr lang="en-US" sz="1400" b="0" dirty="0">
+                <a:effectLst/>
+                <a:latin typeface="Consolas" panose="020B0609020204030204" pitchFamily="49" charset="0"/>
+              </a:rPr>
+              <a:t>])</a:t>
+            </a:r>
+          </a:p>
+          <a:p>
+            <a:pPr lvl="1"/>
+            <a:endParaRPr lang="en-US" sz="1900" dirty="0"/>
+          </a:p>
+          <a:p>
+            <a:r>
+              <a:rPr lang="en-US" sz="2400" dirty="0"/>
+              <a:t>Perform an FFT to get the time domain fields</a:t>
+            </a:r>
+            <a:endParaRPr lang="en-US" sz="2300" dirty="0"/>
           </a:p>
         </p:txBody>
       </p:sp>

--- a/python/Slabs/Slabs.pptx
+++ b/python/Slabs/Slabs.pptx
@@ -5,12 +5,13 @@
     <p:sldMasterId id="2147483648" r:id="rId1"/>
   </p:sldMasterIdLst>
   <p:notesMasterIdLst>
-    <p:notesMasterId r:id="rId5"/>
+    <p:notesMasterId r:id="rId6"/>
   </p:notesMasterIdLst>
   <p:sldIdLst>
     <p:sldId id="256" r:id="rId2"/>
     <p:sldId id="257" r:id="rId3"/>
     <p:sldId id="258" r:id="rId4"/>
+    <p:sldId id="259" r:id="rId5"/>
   </p:sldIdLst>
   <p:sldSz cx="12192000" cy="6858000"/>
   <p:notesSz cx="6858000" cy="9144000"/>
@@ -199,7 +200,7 @@
           <a:p>
             <a:fld id="{627CE7E3-F201-43ED-893E-2752ABB593CF}" type="datetimeFigureOut">
               <a:rPr lang="en-US" smtClean="0"/>
-              <a:t>19-Mar-25</a:t>
+              <a:t>09-Apr-25</a:t>
             </a:fld>
             <a:endParaRPr lang="en-US"/>
           </a:p>
@@ -679,7 +680,7 @@
           <a:p>
             <a:fld id="{9271E792-E0FC-441B-B2FD-9679A64C6416}" type="datetimeFigureOut">
               <a:rPr lang="en-US" smtClean="0"/>
-              <a:t>19-Mar-25</a:t>
+              <a:t>09-Apr-25</a:t>
             </a:fld>
             <a:endParaRPr lang="en-US"/>
           </a:p>
@@ -847,7 +848,7 @@
           <a:p>
             <a:fld id="{9271E792-E0FC-441B-B2FD-9679A64C6416}" type="datetimeFigureOut">
               <a:rPr lang="en-US" smtClean="0"/>
-              <a:t>19-Mar-25</a:t>
+              <a:t>09-Apr-25</a:t>
             </a:fld>
             <a:endParaRPr lang="en-US"/>
           </a:p>
@@ -1025,7 +1026,7 @@
           <a:p>
             <a:fld id="{9271E792-E0FC-441B-B2FD-9679A64C6416}" type="datetimeFigureOut">
               <a:rPr lang="en-US" smtClean="0"/>
-              <a:t>19-Mar-25</a:t>
+              <a:t>09-Apr-25</a:t>
             </a:fld>
             <a:endParaRPr lang="en-US"/>
           </a:p>
@@ -1193,7 +1194,7 @@
           <a:p>
             <a:fld id="{9271E792-E0FC-441B-B2FD-9679A64C6416}" type="datetimeFigureOut">
               <a:rPr lang="en-US" smtClean="0"/>
-              <a:t>19-Mar-25</a:t>
+              <a:t>09-Apr-25</a:t>
             </a:fld>
             <a:endParaRPr lang="en-US"/>
           </a:p>
@@ -1438,7 +1439,7 @@
           <a:p>
             <a:fld id="{9271E792-E0FC-441B-B2FD-9679A64C6416}" type="datetimeFigureOut">
               <a:rPr lang="en-US" smtClean="0"/>
-              <a:t>19-Mar-25</a:t>
+              <a:t>09-Apr-25</a:t>
             </a:fld>
             <a:endParaRPr lang="en-US"/>
           </a:p>
@@ -1667,7 +1668,7 @@
           <a:p>
             <a:fld id="{9271E792-E0FC-441B-B2FD-9679A64C6416}" type="datetimeFigureOut">
               <a:rPr lang="en-US" smtClean="0"/>
-              <a:t>19-Mar-25</a:t>
+              <a:t>09-Apr-25</a:t>
             </a:fld>
             <a:endParaRPr lang="en-US"/>
           </a:p>
@@ -2031,7 +2032,7 @@
           <a:p>
             <a:fld id="{9271E792-E0FC-441B-B2FD-9679A64C6416}" type="datetimeFigureOut">
               <a:rPr lang="en-US" smtClean="0"/>
-              <a:t>19-Mar-25</a:t>
+              <a:t>09-Apr-25</a:t>
             </a:fld>
             <a:endParaRPr lang="en-US"/>
           </a:p>
@@ -2148,7 +2149,7 @@
           <a:p>
             <a:fld id="{9271E792-E0FC-441B-B2FD-9679A64C6416}" type="datetimeFigureOut">
               <a:rPr lang="en-US" smtClean="0"/>
-              <a:t>19-Mar-25</a:t>
+              <a:t>09-Apr-25</a:t>
             </a:fld>
             <a:endParaRPr lang="en-US"/>
           </a:p>
@@ -2243,7 +2244,7 @@
           <a:p>
             <a:fld id="{9271E792-E0FC-441B-B2FD-9679A64C6416}" type="datetimeFigureOut">
               <a:rPr lang="en-US" smtClean="0"/>
-              <a:t>19-Mar-25</a:t>
+              <a:t>09-Apr-25</a:t>
             </a:fld>
             <a:endParaRPr lang="en-US"/>
           </a:p>
@@ -2518,7 +2519,7 @@
           <a:p>
             <a:fld id="{9271E792-E0FC-441B-B2FD-9679A64C6416}" type="datetimeFigureOut">
               <a:rPr lang="en-US" smtClean="0"/>
-              <a:t>19-Mar-25</a:t>
+              <a:t>09-Apr-25</a:t>
             </a:fld>
             <a:endParaRPr lang="en-US"/>
           </a:p>
@@ -2770,7 +2771,7 @@
           <a:p>
             <a:fld id="{9271E792-E0FC-441B-B2FD-9679A64C6416}" type="datetimeFigureOut">
               <a:rPr lang="en-US" smtClean="0"/>
-              <a:t>19-Mar-25</a:t>
+              <a:t>09-Apr-25</a:t>
             </a:fld>
             <a:endParaRPr lang="en-US"/>
           </a:p>
@@ -2981,7 +2982,7 @@
           <a:p>
             <a:fld id="{9271E792-E0FC-441B-B2FD-9679A64C6416}" type="datetimeFigureOut">
               <a:rPr lang="en-US" smtClean="0"/>
-              <a:t>19-Mar-25</a:t>
+              <a:t>09-Apr-25</a:t>
             </a:fld>
             <a:endParaRPr lang="en-US"/>
           </a:p>
@@ -3664,11 +3665,15 @@
           <a:p>
             <a:r>
               <a:rPr lang="en-US" sz="2400" b="1" dirty="0"/>
-              <a:t>Simulation of fields penetrating two slabs with normal incidence</a:t>
-            </a:r>
-            <a:r>
-              <a:rPr lang="en-US" sz="2400" dirty="0"/>
-              <a:t> </a:t>
+              <a:t>Simulation of fields penetrating two slabs with v</a:t>
+            </a:r>
+            <a:r>
+              <a:rPr lang="fr-BE" sz="2400" b="1" dirty="0" err="1"/>
+              <a:t>ariable</a:t>
+            </a:r>
+            <a:r>
+              <a:rPr lang="en-US" sz="2400" b="1" dirty="0"/>
+              <a:t> incidence angle</a:t>
             </a:r>
             <a:br>
               <a:rPr lang="en-US" sz="2400" dirty="0"/>
@@ -3690,12 +3695,12 @@
         <p:spPr>
           <a:xfrm>
             <a:off x="838200" y="1982642"/>
-            <a:ext cx="10515600" cy="4353503"/>
+            <a:ext cx="10515600" cy="4785803"/>
           </a:xfrm>
         </p:spPr>
         <p:txBody>
           <a:bodyPr numCol="1">
-            <a:normAutofit/>
+            <a:normAutofit fontScale="92500" lnSpcReduction="10000"/>
           </a:bodyPr>
           <a:lstStyle/>
           <a:p>
@@ -3708,7 +3713,7 @@
             <a:pPr lvl="1"/>
             <a:r>
               <a:rPr lang="en-US" sz="1500" dirty="0"/>
-              <a:t>Define space and time grid</a:t>
+              <a:t>Define space (1D or 2D) and time grid</a:t>
             </a:r>
           </a:p>
           <a:p>
@@ -3726,22 +3731,54 @@
             </a:r>
           </a:p>
           <a:p>
+            <a:pPr marL="457200" lvl="1" indent="0">
+              <a:buNone/>
+            </a:pPr>
+            <a:endParaRPr lang="en-US" sz="1500" dirty="0"/>
+          </a:p>
+          <a:p>
+            <a:r>
+              <a:rPr lang="en-US" sz="1900" dirty="0"/>
+              <a:t>Update wavevectors and reflection and transmission </a:t>
+            </a:r>
+            <a:r>
+              <a:rPr lang="en-US" sz="1900" dirty="0" err="1"/>
+              <a:t>coeffs</a:t>
+            </a:r>
+            <a:r>
+              <a:rPr lang="en-US" sz="1900" dirty="0"/>
+              <a:t> for given theta</a:t>
+            </a:r>
+          </a:p>
+          <a:p>
+            <a:pPr lvl="1"/>
+            <a:r>
+              <a:rPr lang="en-US" sz="1500" dirty="0"/>
+              <a:t>Complex impedances (TE and TM)</a:t>
+            </a:r>
+          </a:p>
+          <a:p>
+            <a:pPr lvl="1"/>
+            <a:r>
+              <a:rPr lang="en-US" sz="1500" dirty="0"/>
+              <a:t>Complex wavevectors (Snell’s law revisited for complex case)</a:t>
+            </a:r>
+          </a:p>
+          <a:p>
+            <a:pPr lvl="1"/>
+            <a:r>
+              <a:rPr lang="en-US" sz="1500" dirty="0"/>
+              <a:t>Complex reflection and transmission coefficients (TE and TM)</a:t>
+            </a:r>
+          </a:p>
+          <a:p>
             <a:endParaRPr lang="en-US" sz="1900" dirty="0"/>
           </a:p>
           <a:p>
             <a:r>
-              <a:rPr lang="en-US" sz="1900"/>
-              <a:t>From </a:t>
-            </a:r>
-            <a:r>
               <a:rPr lang="en-US" sz="1900" dirty="0"/>
-              <a:t>Gamma at last interface, work way back to z</a:t>
-            </a:r>
-            <a:r>
-              <a:rPr lang="en-US" sz="1900"/>
-              <a:t>=0</a:t>
-            </a:r>
-            <a:endParaRPr lang="en-US" sz="1900" dirty="0"/>
+              <a:t>From Gamma at last interface, work way back to z=0</a:t>
+            </a:r>
           </a:p>
           <a:p>
             <a:pPr marL="0" indent="0">
@@ -3753,6 +3790,24 @@
               </a:spcBef>
               <a:buNone/>
             </a:pPr>
+            <a:endParaRPr lang="en-US" sz="1400" b="0" dirty="0">
+              <a:solidFill>
+                <a:srgbClr val="6A9955"/>
+              </a:solidFill>
+              <a:effectLst/>
+              <a:latin typeface="Consolas" panose="020B0609020204030204" pitchFamily="49" charset="0"/>
+            </a:endParaRPr>
+          </a:p>
+          <a:p>
+            <a:pPr marL="0" indent="0">
+              <a:lnSpc>
+                <a:spcPct val="100000"/>
+              </a:lnSpc>
+              <a:spcBef>
+                <a:spcPts val="0"/>
+              </a:spcBef>
+              <a:buNone/>
+            </a:pPr>
             <a:r>
               <a:rPr lang="en-US" sz="1400" b="0" dirty="0">
                 <a:solidFill>
@@ -3852,35 +3907,33 @@
                 <a:effectLst/>
                 <a:latin typeface="Consolas" panose="020B0609020204030204" pitchFamily="49" charset="0"/>
               </a:rPr>
-              <a:t>                [</a:t>
-            </a:r>
-            <a:r>
-              <a:rPr lang="en-US" sz="1400" b="0" dirty="0" err="1">
-                <a:effectLst/>
-                <a:latin typeface="Consolas" panose="020B0609020204030204" pitchFamily="49" charset="0"/>
-              </a:rPr>
-              <a:t>k_s</a:t>
-            </a:r>
-            <a:r>
-              <a:rPr lang="en-US" sz="1400" b="0" dirty="0">
-                <a:effectLst/>
-                <a:latin typeface="Consolas" panose="020B0609020204030204" pitchFamily="49" charset="0"/>
-              </a:rPr>
-              <a:t>, k_0, </a:t>
-            </a:r>
-            <a:r>
-              <a:rPr lang="en-US" sz="1400" b="0" dirty="0" err="1">
-                <a:effectLst/>
-                <a:latin typeface="Consolas" panose="020B0609020204030204" pitchFamily="49" charset="0"/>
-              </a:rPr>
-              <a:t>k_s</a:t>
-            </a:r>
-            <a:r>
-              <a:rPr lang="en-US" sz="1400" b="0" dirty="0">
-                <a:effectLst/>
-                <a:latin typeface="Consolas" panose="020B0609020204030204" pitchFamily="49" charset="0"/>
-              </a:rPr>
-              <a:t>, k_0],</a:t>
+              <a:t>                [wave vectors</a:t>
+            </a:r>
+            <a:r>
+              <a:rPr lang="en-US" sz="1400" dirty="0">
+                <a:latin typeface="Consolas" panose="020B0609020204030204" pitchFamily="49" charset="0"/>
+              </a:rPr>
+              <a:t> </a:t>
+            </a:r>
+            <a:r>
+              <a:rPr lang="en-US" sz="1400" b="0" dirty="0">
+                <a:effectLst/>
+                <a:latin typeface="Consolas" panose="020B0609020204030204" pitchFamily="49" charset="0"/>
+              </a:rPr>
+              <a:t>along </a:t>
+            </a:r>
+            <a:r>
+              <a:rPr lang="en-US" sz="1400" dirty="0">
+                <a:latin typeface="Consolas" panose="020B0609020204030204" pitchFamily="49" charset="0"/>
+              </a:rPr>
+              <a:t>z</a:t>
+            </a:r>
+            <a:r>
+              <a:rPr lang="en-US" sz="1400" b="0" dirty="0">
+                <a:effectLst/>
+                <a:latin typeface="Consolas" panose="020B0609020204030204" pitchFamily="49" charset="0"/>
+              </a:rPr>
+              <a:t>],</a:t>
             </a:r>
           </a:p>
           <a:p>
@@ -3898,7 +3951,7 @@
                 <a:effectLst/>
                 <a:latin typeface="Consolas" panose="020B0609020204030204" pitchFamily="49" charset="0"/>
               </a:rPr>
-              <a:t>                [d4 - d3, d3 - d2, d2 - d1, d1],</a:t>
+              <a:t>                [positions of the interfaces],</a:t>
             </a:r>
           </a:p>
           <a:p>
@@ -3919,32 +3972,17 @@
               <a:t>                [</a:t>
             </a:r>
             <a:r>
-              <a:rPr lang="en-US" sz="1400" b="0" dirty="0" err="1">
-                <a:effectLst/>
-                <a:latin typeface="Consolas" panose="020B0609020204030204" pitchFamily="49" charset="0"/>
-              </a:rPr>
-              <a:t>r_s</a:t>
-            </a:r>
-            <a:r>
-              <a:rPr lang="en-US" sz="1400" b="0" dirty="0">
-                <a:effectLst/>
-                <a:latin typeface="Consolas" panose="020B0609020204030204" pitchFamily="49" charset="0"/>
-              </a:rPr>
-              <a:t>, r_0, </a:t>
-            </a:r>
-            <a:r>
-              <a:rPr lang="en-US" sz="1400" b="0" dirty="0" err="1">
-                <a:effectLst/>
-                <a:latin typeface="Consolas" panose="020B0609020204030204" pitchFamily="49" charset="0"/>
-              </a:rPr>
-              <a:t>r_s</a:t>
-            </a:r>
-            <a:r>
-              <a:rPr lang="en-US" sz="1400" b="0" dirty="0">
-                <a:effectLst/>
-                <a:latin typeface="Consolas" panose="020B0609020204030204" pitchFamily="49" charset="0"/>
-              </a:rPr>
-              <a:t>, r_0]):</a:t>
+              <a:rPr lang="en-US" sz="1400" dirty="0">
+                <a:latin typeface="Consolas" panose="020B0609020204030204" pitchFamily="49" charset="0"/>
+              </a:rPr>
+              <a:t>complex reflection coefficients (TE and TM modes)</a:t>
+            </a:r>
+            <a:r>
+              <a:rPr lang="en-US" sz="1400" b="0" dirty="0">
+                <a:effectLst/>
+                <a:latin typeface="Consolas" panose="020B0609020204030204" pitchFamily="49" charset="0"/>
+              </a:rPr>
+              <a:t>]):</a:t>
             </a:r>
           </a:p>
           <a:p>
@@ -3968,21 +4006,7 @@
                 <a:effectLst/>
                 <a:latin typeface="Consolas" panose="020B0609020204030204" pitchFamily="49" charset="0"/>
               </a:rPr>
-              <a:t>            Gamma = </a:t>
-            </a:r>
-            <a:r>
-              <a:rPr lang="en-US" sz="1400" b="0" dirty="0" err="1">
-                <a:effectLst/>
-                <a:latin typeface="Consolas" panose="020B0609020204030204" pitchFamily="49" charset="0"/>
-              </a:rPr>
-              <a:t>np.exp</a:t>
-            </a:r>
-            <a:r>
-              <a:rPr lang="en-US" sz="1400" b="0" dirty="0">
-                <a:effectLst/>
-                <a:latin typeface="Consolas" panose="020B0609020204030204" pitchFamily="49" charset="0"/>
-              </a:rPr>
-              <a:t>(-2j*k*l) * (r + Gamma) / (1 + r*Gamma)</a:t>
+              <a:t>            Gamma = exp(-2j*k*l) * (r + Gamma) / (1 + r*Gamma)</a:t>
             </a:r>
           </a:p>
           <a:p>
@@ -4164,27 +4188,7 @@
                 <a:effectLst/>
                 <a:latin typeface="Consolas" panose="020B0609020204030204" pitchFamily="49" charset="0"/>
               </a:rPr>
-              <a:t># Calculate 5 forward (A) and backward (B) fields at the start of each </a:t>
-            </a:r>
-            <a:r>
-              <a:rPr lang="en-US" sz="1400" b="0" dirty="0" err="1">
-                <a:solidFill>
-                  <a:srgbClr val="6A9955"/>
-                </a:solidFill>
-                <a:effectLst/>
-                <a:latin typeface="Consolas" panose="020B0609020204030204" pitchFamily="49" charset="0"/>
-              </a:rPr>
-              <a:t>z_local</a:t>
-            </a:r>
-            <a:r>
-              <a:rPr lang="en-US" sz="1400" b="0" dirty="0">
-                <a:solidFill>
-                  <a:srgbClr val="6A9955"/>
-                </a:solidFill>
-                <a:effectLst/>
-                <a:latin typeface="Consolas" panose="020B0609020204030204" pitchFamily="49" charset="0"/>
-              </a:rPr>
-              <a:t>,</a:t>
+              <a:t># Calculate 4 forward (A) and backward (B) fields at the start of each interface,</a:t>
             </a:r>
             <a:endParaRPr lang="en-US" sz="1400" dirty="0">
               <a:solidFill>
@@ -4304,35 +4308,7 @@
                 <a:effectLst/>
                 <a:latin typeface="Consolas" panose="020B0609020204030204" pitchFamily="49" charset="0"/>
               </a:rPr>
-              <a:t>                [k_0, </a:t>
-            </a:r>
-            <a:r>
-              <a:rPr lang="en-US" sz="1400" b="0" dirty="0" err="1">
-                <a:effectLst/>
-                <a:latin typeface="Consolas" panose="020B0609020204030204" pitchFamily="49" charset="0"/>
-              </a:rPr>
-              <a:t>k_s</a:t>
-            </a:r>
-            <a:r>
-              <a:rPr lang="en-US" sz="1400" b="0" dirty="0">
-                <a:effectLst/>
-                <a:latin typeface="Consolas" panose="020B0609020204030204" pitchFamily="49" charset="0"/>
-              </a:rPr>
-              <a:t>, k_0, </a:t>
-            </a:r>
-            <a:r>
-              <a:rPr lang="en-US" sz="1400" b="0" dirty="0" err="1">
-                <a:effectLst/>
-                <a:latin typeface="Consolas" panose="020B0609020204030204" pitchFamily="49" charset="0"/>
-              </a:rPr>
-              <a:t>k_s</a:t>
-            </a:r>
-            <a:r>
-              <a:rPr lang="en-US" sz="1400" b="0" dirty="0">
-                <a:effectLst/>
-                <a:latin typeface="Consolas" panose="020B0609020204030204" pitchFamily="49" charset="0"/>
-              </a:rPr>
-              <a:t>],</a:t>
+              <a:t>                [wavevectors along z],</a:t>
             </a:r>
           </a:p>
           <a:p>
@@ -4347,7 +4323,7 @@
                 <a:effectLst/>
                 <a:latin typeface="Consolas" panose="020B0609020204030204" pitchFamily="49" charset="0"/>
               </a:rPr>
-              <a:t>                [d1, d2 - d1, d3 - d2, d4 - d3],</a:t>
+              <a:t>                [positions of the interfaces],</a:t>
             </a:r>
           </a:p>
           <a:p>
@@ -4365,32 +4341,17 @@
               <a:t>                [</a:t>
             </a:r>
             <a:r>
-              <a:rPr lang="en-US" sz="1400" b="0" dirty="0" err="1">
-                <a:effectLst/>
-                <a:latin typeface="Consolas" panose="020B0609020204030204" pitchFamily="49" charset="0"/>
-              </a:rPr>
-              <a:t>r_s</a:t>
-            </a:r>
-            <a:r>
-              <a:rPr lang="en-US" sz="1400" b="0" dirty="0">
-                <a:effectLst/>
-                <a:latin typeface="Consolas" panose="020B0609020204030204" pitchFamily="49" charset="0"/>
-              </a:rPr>
-              <a:t>, r_0, </a:t>
-            </a:r>
-            <a:r>
-              <a:rPr lang="en-US" sz="1400" b="0" dirty="0" err="1">
-                <a:effectLst/>
-                <a:latin typeface="Consolas" panose="020B0609020204030204" pitchFamily="49" charset="0"/>
-              </a:rPr>
-              <a:t>r_s</a:t>
-            </a:r>
-            <a:r>
-              <a:rPr lang="en-US" sz="1400" b="0" dirty="0">
-                <a:effectLst/>
-                <a:latin typeface="Consolas" panose="020B0609020204030204" pitchFamily="49" charset="0"/>
-              </a:rPr>
-              <a:t>, r_0],</a:t>
+              <a:rPr lang="en-US" sz="1400" dirty="0">
+                <a:latin typeface="Consolas" panose="020B0609020204030204" pitchFamily="49" charset="0"/>
+              </a:rPr>
+              <a:t>complex reflection coefficients</a:t>
+            </a:r>
+            <a:r>
+              <a:rPr lang="en-US" sz="1400" b="0" dirty="0">
+                <a:effectLst/>
+                <a:latin typeface="Consolas" panose="020B0609020204030204" pitchFamily="49" charset="0"/>
+              </a:rPr>
+              <a:t>],</a:t>
             </a:r>
           </a:p>
           <a:p>
@@ -4408,32 +4369,17 @@
               <a:t>                [</a:t>
             </a:r>
             <a:r>
-              <a:rPr lang="en-US" sz="1400" b="0" dirty="0" err="1">
-                <a:effectLst/>
-                <a:latin typeface="Consolas" panose="020B0609020204030204" pitchFamily="49" charset="0"/>
-              </a:rPr>
-              <a:t>t_s</a:t>
-            </a:r>
-            <a:r>
-              <a:rPr lang="en-US" sz="1400" b="0" dirty="0">
-                <a:effectLst/>
-                <a:latin typeface="Consolas" panose="020B0609020204030204" pitchFamily="49" charset="0"/>
-              </a:rPr>
-              <a:t>, t_0, </a:t>
-            </a:r>
-            <a:r>
-              <a:rPr lang="en-US" sz="1400" b="0" dirty="0" err="1">
-                <a:effectLst/>
-                <a:latin typeface="Consolas" panose="020B0609020204030204" pitchFamily="49" charset="0"/>
-              </a:rPr>
-              <a:t>t_s</a:t>
-            </a:r>
-            <a:r>
-              <a:rPr lang="en-US" sz="1400" b="0" dirty="0">
-                <a:effectLst/>
-                <a:latin typeface="Consolas" panose="020B0609020204030204" pitchFamily="49" charset="0"/>
-              </a:rPr>
-              <a:t>, t_0])):</a:t>
+              <a:rPr lang="en-US" sz="1400" dirty="0">
+                <a:latin typeface="Consolas" panose="020B0609020204030204" pitchFamily="49" charset="0"/>
+              </a:rPr>
+              <a:t>complex transmission coefficients</a:t>
+            </a:r>
+            <a:r>
+              <a:rPr lang="en-US" sz="1400" b="0" dirty="0">
+                <a:effectLst/>
+                <a:latin typeface="Consolas" panose="020B0609020204030204" pitchFamily="49" charset="0"/>
+              </a:rPr>
+              <a:t>])):</a:t>
             </a:r>
           </a:p>
           <a:p>
@@ -4454,27 +4400,13 @@
                 <a:effectLst/>
                 <a:latin typeface="Consolas" panose="020B0609020204030204" pitchFamily="49" charset="0"/>
               </a:rPr>
-              <a:t>            A[i+1] = 1/t * </a:t>
+              <a:t>            A[i+1] = 1/t * exp(-1j*k*l) * A[</a:t>
             </a:r>
             <a:r>
               <a:rPr lang="en-US" sz="1400" b="0" dirty="0" err="1">
                 <a:effectLst/>
                 <a:latin typeface="Consolas" panose="020B0609020204030204" pitchFamily="49" charset="0"/>
               </a:rPr>
-              <a:t>np.exp</a:t>
-            </a:r>
-            <a:r>
-              <a:rPr lang="en-US" sz="1400" b="0" dirty="0">
-                <a:effectLst/>
-                <a:latin typeface="Consolas" panose="020B0609020204030204" pitchFamily="49" charset="0"/>
-              </a:rPr>
-              <a:t>(-1j*k*l) * A[</a:t>
-            </a:r>
-            <a:r>
-              <a:rPr lang="en-US" sz="1400" b="0" dirty="0" err="1">
-                <a:effectLst/>
-                <a:latin typeface="Consolas" panose="020B0609020204030204" pitchFamily="49" charset="0"/>
-              </a:rPr>
               <a:t>i</a:t>
             </a:r>
             <a:r>
@@ -4482,21 +4414,7 @@
                 <a:effectLst/>
                 <a:latin typeface="Consolas" panose="020B0609020204030204" pitchFamily="49" charset="0"/>
               </a:rPr>
-              <a:t>] + r/t * </a:t>
-            </a:r>
-            <a:r>
-              <a:rPr lang="en-US" sz="1400" b="0" dirty="0" err="1">
-                <a:effectLst/>
-                <a:latin typeface="Consolas" panose="020B0609020204030204" pitchFamily="49" charset="0"/>
-              </a:rPr>
-              <a:t>np.exp</a:t>
-            </a:r>
-            <a:r>
-              <a:rPr lang="en-US" sz="1400" b="0" dirty="0">
-                <a:effectLst/>
-                <a:latin typeface="Consolas" panose="020B0609020204030204" pitchFamily="49" charset="0"/>
-              </a:rPr>
-              <a:t>(1j*k*l) * B[</a:t>
+              <a:t>] + r/t * exp(1j*k*l) * B[</a:t>
             </a:r>
             <a:r>
               <a:rPr lang="en-US" sz="1400" b="0" dirty="0" err="1">
@@ -4525,27 +4443,13 @@
                 <a:effectLst/>
                 <a:latin typeface="Consolas" panose="020B0609020204030204" pitchFamily="49" charset="0"/>
               </a:rPr>
-              <a:t>            B[i+1] = r/t * </a:t>
+              <a:t>            B[i+1] = r/t * exp(-1j*k*l) * A[</a:t>
             </a:r>
             <a:r>
               <a:rPr lang="en-US" sz="1400" b="0" dirty="0" err="1">
                 <a:effectLst/>
                 <a:latin typeface="Consolas" panose="020B0609020204030204" pitchFamily="49" charset="0"/>
               </a:rPr>
-              <a:t>np.exp</a:t>
-            </a:r>
-            <a:r>
-              <a:rPr lang="en-US" sz="1400" b="0" dirty="0">
-                <a:effectLst/>
-                <a:latin typeface="Consolas" panose="020B0609020204030204" pitchFamily="49" charset="0"/>
-              </a:rPr>
-              <a:t>(-1j*k*l) * A[</a:t>
-            </a:r>
-            <a:r>
-              <a:rPr lang="en-US" sz="1400" b="0" dirty="0" err="1">
-                <a:effectLst/>
-                <a:latin typeface="Consolas" panose="020B0609020204030204" pitchFamily="49" charset="0"/>
-              </a:rPr>
               <a:t>i</a:t>
             </a:r>
             <a:r>
@@ -4553,21 +4457,7 @@
                 <a:effectLst/>
                 <a:latin typeface="Consolas" panose="020B0609020204030204" pitchFamily="49" charset="0"/>
               </a:rPr>
-              <a:t>] + 1/t * </a:t>
-            </a:r>
-            <a:r>
-              <a:rPr lang="en-US" sz="1400" b="0" dirty="0" err="1">
-                <a:effectLst/>
-                <a:latin typeface="Consolas" panose="020B0609020204030204" pitchFamily="49" charset="0"/>
-              </a:rPr>
-              <a:t>np.exp</a:t>
-            </a:r>
-            <a:r>
-              <a:rPr lang="en-US" sz="1400" b="0" dirty="0">
-                <a:effectLst/>
-                <a:latin typeface="Consolas" panose="020B0609020204030204" pitchFamily="49" charset="0"/>
-              </a:rPr>
-              <a:t>(1j*k*l) * B[</a:t>
+              <a:t>] + 1/t * exp(1j*k*l) * B[</a:t>
             </a:r>
             <a:r>
               <a:rPr lang="en-US" sz="1400" b="0" dirty="0" err="1">
@@ -4672,7 +4562,17 @@
                 <a:effectLst/>
                 <a:latin typeface="Consolas" panose="020B0609020204030204" pitchFamily="49" charset="0"/>
               </a:rPr>
-              <a:t># function of (</a:t>
+              <a:t># function of </a:t>
+            </a:r>
+            <a:r>
+              <a:rPr lang="en-US" sz="1400" b="0">
+                <a:solidFill>
+                  <a:srgbClr val="6A9955"/>
+                </a:solidFill>
+                <a:effectLst/>
+                <a:latin typeface="Consolas" panose="020B0609020204030204" pitchFamily="49" charset="0"/>
+              </a:rPr>
+              <a:t>(z, </a:t>
             </a:r>
             <a:r>
               <a:rPr lang="en-US" sz="1400" b="0" dirty="0" err="1">
@@ -4683,26 +4583,6 @@
                 <a:latin typeface="Consolas" panose="020B0609020204030204" pitchFamily="49" charset="0"/>
               </a:rPr>
               <a:t>freqs</a:t>
-            </a:r>
-            <a:r>
-              <a:rPr lang="en-US" sz="1400" b="0" dirty="0">
-                <a:solidFill>
-                  <a:srgbClr val="6A9955"/>
-                </a:solidFill>
-                <a:effectLst/>
-                <a:latin typeface="Consolas" panose="020B0609020204030204" pitchFamily="49" charset="0"/>
-              </a:rPr>
-              <a:t>, </a:t>
-            </a:r>
-            <a:r>
-              <a:rPr lang="en-US" sz="1400" b="0" dirty="0" err="1">
-                <a:solidFill>
-                  <a:srgbClr val="6A9955"/>
-                </a:solidFill>
-                <a:effectLst/>
-                <a:latin typeface="Consolas" panose="020B0609020204030204" pitchFamily="49" charset="0"/>
-              </a:rPr>
-              <a:t>z_local</a:t>
             </a:r>
             <a:r>
               <a:rPr lang="en-US" sz="1400" b="0" dirty="0">
@@ -4780,35 +4660,7 @@
                 <a:effectLst/>
                 <a:latin typeface="Consolas" panose="020B0609020204030204" pitchFamily="49" charset="0"/>
               </a:rPr>
-              <a:t>, k in enumerate([k_0, </a:t>
-            </a:r>
-            <a:r>
-              <a:rPr lang="en-US" sz="1400" b="0" dirty="0" err="1">
-                <a:effectLst/>
-                <a:latin typeface="Consolas" panose="020B0609020204030204" pitchFamily="49" charset="0"/>
-              </a:rPr>
-              <a:t>k_s</a:t>
-            </a:r>
-            <a:r>
-              <a:rPr lang="en-US" sz="1400" b="0" dirty="0">
-                <a:effectLst/>
-                <a:latin typeface="Consolas" panose="020B0609020204030204" pitchFamily="49" charset="0"/>
-              </a:rPr>
-              <a:t>, k_0, </a:t>
-            </a:r>
-            <a:r>
-              <a:rPr lang="en-US" sz="1400" b="0" dirty="0" err="1">
-                <a:effectLst/>
-                <a:latin typeface="Consolas" panose="020B0609020204030204" pitchFamily="49" charset="0"/>
-              </a:rPr>
-              <a:t>k_s</a:t>
-            </a:r>
-            <a:r>
-              <a:rPr lang="en-US" sz="1400" b="0" dirty="0">
-                <a:effectLst/>
-                <a:latin typeface="Consolas" panose="020B0609020204030204" pitchFamily="49" charset="0"/>
-              </a:rPr>
-              <a:t>, k_0]):</a:t>
+              <a:t>, k in enumerate([wavevectors along z]):</a:t>
             </a:r>
           </a:p>
           <a:p>
@@ -4857,21 +4709,34 @@
                 <a:effectLst/>
                 <a:latin typeface="Consolas" panose="020B0609020204030204" pitchFamily="49" charset="0"/>
               </a:rPr>
-              <a:t>: </a:t>
+              <a:t>: z_i</a:t>
+            </a:r>
+            <a:r>
+              <a:rPr lang="en-US" sz="1400" dirty="0">
+                <a:latin typeface="Consolas" panose="020B0609020204030204" pitchFamily="49" charset="0"/>
+              </a:rPr>
+              <a:t>p</a:t>
+            </a:r>
+            <a:r>
+              <a:rPr lang="en-US" sz="1400" b="0" dirty="0">
+                <a:effectLst/>
+                <a:latin typeface="Consolas" panose="020B0609020204030204" pitchFamily="49" charset="0"/>
+              </a:rPr>
+              <a:t>1] = A[</a:t>
             </a:r>
             <a:r>
               <a:rPr lang="en-US" sz="1400" b="0" dirty="0" err="1">
                 <a:effectLst/>
                 <a:latin typeface="Consolas" panose="020B0609020204030204" pitchFamily="49" charset="0"/>
               </a:rPr>
-              <a:t>z_i+len</a:t>
-            </a:r>
-            <a:r>
-              <a:rPr lang="en-US" sz="1400" b="0" dirty="0">
-                <a:effectLst/>
-                <a:latin typeface="Consolas" panose="020B0609020204030204" pitchFamily="49" charset="0"/>
-              </a:rPr>
-              <a:t>(</a:t>
+              <a:t>i</a:t>
+            </a:r>
+            <a:r>
+              <a:rPr lang="en-US" sz="1400" b="0" dirty="0">
+                <a:effectLst/>
+                <a:latin typeface="Consolas" panose="020B0609020204030204" pitchFamily="49" charset="0"/>
+              </a:rPr>
+              <a:t>] * exp(-1j*</a:t>
             </a:r>
             <a:r>
               <a:rPr lang="en-US" sz="1400" b="0" dirty="0" err="1">
@@ -4899,77 +4764,7 @@
                 <a:effectLst/>
                 <a:latin typeface="Consolas" panose="020B0609020204030204" pitchFamily="49" charset="0"/>
               </a:rPr>
-              <a:t>])] = A[</a:t>
-            </a:r>
-            <a:r>
-              <a:rPr lang="en-US" sz="1400" b="0" dirty="0" err="1">
-                <a:effectLst/>
-                <a:latin typeface="Consolas" panose="020B0609020204030204" pitchFamily="49" charset="0"/>
-              </a:rPr>
-              <a:t>i</a:t>
-            </a:r>
-            <a:r>
-              <a:rPr lang="en-US" sz="1400" b="0" dirty="0">
-                <a:effectLst/>
-                <a:latin typeface="Consolas" panose="020B0609020204030204" pitchFamily="49" charset="0"/>
-              </a:rPr>
-              <a:t>] * </a:t>
-            </a:r>
-            <a:r>
-              <a:rPr lang="en-US" sz="1400" b="0" dirty="0" err="1">
-                <a:effectLst/>
-                <a:latin typeface="Consolas" panose="020B0609020204030204" pitchFamily="49" charset="0"/>
-              </a:rPr>
-              <a:t>np.exp</a:t>
-            </a:r>
-            <a:r>
-              <a:rPr lang="en-US" sz="1400" b="0" dirty="0">
-                <a:effectLst/>
-                <a:latin typeface="Consolas" panose="020B0609020204030204" pitchFamily="49" charset="0"/>
-              </a:rPr>
-              <a:t>(-1j*</a:t>
-            </a:r>
-            <a:r>
-              <a:rPr lang="en-US" sz="1400" b="0" dirty="0" err="1">
-                <a:effectLst/>
-                <a:latin typeface="Consolas" panose="020B0609020204030204" pitchFamily="49" charset="0"/>
-              </a:rPr>
-              <a:t>np.outer</a:t>
-            </a:r>
-            <a:r>
-              <a:rPr lang="en-US" sz="1400" b="0" dirty="0">
-                <a:effectLst/>
-                <a:latin typeface="Consolas" panose="020B0609020204030204" pitchFamily="49" charset="0"/>
-              </a:rPr>
-              <a:t>(k, </a:t>
-            </a:r>
-            <a:r>
-              <a:rPr lang="en-US" sz="1400" b="0" dirty="0" err="1">
-                <a:effectLst/>
-                <a:latin typeface="Consolas" panose="020B0609020204030204" pitchFamily="49" charset="0"/>
-              </a:rPr>
-              <a:t>z_local</a:t>
-            </a:r>
-            <a:r>
-              <a:rPr lang="en-US" sz="1400" b="0" dirty="0">
-                <a:effectLst/>
-                <a:latin typeface="Consolas" panose="020B0609020204030204" pitchFamily="49" charset="0"/>
-              </a:rPr>
-              <a:t>[</a:t>
-            </a:r>
-            <a:r>
-              <a:rPr lang="en-US" sz="1400" b="0" dirty="0" err="1">
-                <a:effectLst/>
-                <a:latin typeface="Consolas" panose="020B0609020204030204" pitchFamily="49" charset="0"/>
-              </a:rPr>
-              <a:t>i</a:t>
-            </a:r>
-            <a:r>
-              <a:rPr lang="en-US" sz="1400" b="0" dirty="0">
-                <a:effectLst/>
-                <a:latin typeface="Consolas" panose="020B0609020204030204" pitchFamily="49" charset="0"/>
-              </a:rPr>
-              <a:t>])).T</a:t>
+              <a:t>]*k)</a:t>
             </a:r>
           </a:p>
           <a:p>
@@ -5012,21 +4807,34 @@
                 <a:effectLst/>
                 <a:latin typeface="Consolas" panose="020B0609020204030204" pitchFamily="49" charset="0"/>
               </a:rPr>
-              <a:t>: </a:t>
+              <a:t>: z_i</a:t>
+            </a:r>
+            <a:r>
+              <a:rPr lang="en-US" sz="1400" dirty="0">
+                <a:latin typeface="Consolas" panose="020B0609020204030204" pitchFamily="49" charset="0"/>
+              </a:rPr>
+              <a:t>p</a:t>
+            </a:r>
+            <a:r>
+              <a:rPr lang="en-US" sz="1400" b="0" dirty="0">
+                <a:effectLst/>
+                <a:latin typeface="Consolas" panose="020B0609020204030204" pitchFamily="49" charset="0"/>
+              </a:rPr>
+              <a:t>1] = B[</a:t>
             </a:r>
             <a:r>
               <a:rPr lang="en-US" sz="1400" b="0" dirty="0" err="1">
                 <a:effectLst/>
                 <a:latin typeface="Consolas" panose="020B0609020204030204" pitchFamily="49" charset="0"/>
               </a:rPr>
-              <a:t>z_i+len</a:t>
-            </a:r>
-            <a:r>
-              <a:rPr lang="en-US" sz="1400" b="0" dirty="0">
-                <a:effectLst/>
-                <a:latin typeface="Consolas" panose="020B0609020204030204" pitchFamily="49" charset="0"/>
-              </a:rPr>
-              <a:t>(</a:t>
+              <a:t>i</a:t>
+            </a:r>
+            <a:r>
+              <a:rPr lang="en-US" sz="1400" b="0" dirty="0">
+                <a:effectLst/>
+                <a:latin typeface="Consolas" panose="020B0609020204030204" pitchFamily="49" charset="0"/>
+              </a:rPr>
+              <a:t>] * exp(1j*</a:t>
             </a:r>
             <a:r>
               <a:rPr lang="en-US" sz="1400" b="0" dirty="0" err="1">
@@ -5054,77 +4862,7 @@
                 <a:effectLst/>
                 <a:latin typeface="Consolas" panose="020B0609020204030204" pitchFamily="49" charset="0"/>
               </a:rPr>
-              <a:t>])] = B[</a:t>
-            </a:r>
-            <a:r>
-              <a:rPr lang="en-US" sz="1400" b="0" dirty="0" err="1">
-                <a:effectLst/>
-                <a:latin typeface="Consolas" panose="020B0609020204030204" pitchFamily="49" charset="0"/>
-              </a:rPr>
-              <a:t>i</a:t>
-            </a:r>
-            <a:r>
-              <a:rPr lang="en-US" sz="1400" b="0" dirty="0">
-                <a:effectLst/>
-                <a:latin typeface="Consolas" panose="020B0609020204030204" pitchFamily="49" charset="0"/>
-              </a:rPr>
-              <a:t>] * </a:t>
-            </a:r>
-            <a:r>
-              <a:rPr lang="en-US" sz="1400" b="0" dirty="0" err="1">
-                <a:effectLst/>
-                <a:latin typeface="Consolas" panose="020B0609020204030204" pitchFamily="49" charset="0"/>
-              </a:rPr>
-              <a:t>np.exp</a:t>
-            </a:r>
-            <a:r>
-              <a:rPr lang="en-US" sz="1400" b="0" dirty="0">
-                <a:effectLst/>
-                <a:latin typeface="Consolas" panose="020B0609020204030204" pitchFamily="49" charset="0"/>
-              </a:rPr>
-              <a:t>(1j*</a:t>
-            </a:r>
-            <a:r>
-              <a:rPr lang="en-US" sz="1400" b="0" dirty="0" err="1">
-                <a:effectLst/>
-                <a:latin typeface="Consolas" panose="020B0609020204030204" pitchFamily="49" charset="0"/>
-              </a:rPr>
-              <a:t>np.outer</a:t>
-            </a:r>
-            <a:r>
-              <a:rPr lang="en-US" sz="1400" b="0" dirty="0">
-                <a:effectLst/>
-                <a:latin typeface="Consolas" panose="020B0609020204030204" pitchFamily="49" charset="0"/>
-              </a:rPr>
-              <a:t>(k, </a:t>
-            </a:r>
-            <a:r>
-              <a:rPr lang="en-US" sz="1400" b="0" dirty="0" err="1">
-                <a:effectLst/>
-                <a:latin typeface="Consolas" panose="020B0609020204030204" pitchFamily="49" charset="0"/>
-              </a:rPr>
-              <a:t>z_local</a:t>
-            </a:r>
-            <a:r>
-              <a:rPr lang="en-US" sz="1400" b="0" dirty="0">
-                <a:effectLst/>
-                <a:latin typeface="Consolas" panose="020B0609020204030204" pitchFamily="49" charset="0"/>
-              </a:rPr>
-              <a:t>[</a:t>
-            </a:r>
-            <a:r>
-              <a:rPr lang="en-US" sz="1400" b="0" dirty="0" err="1">
-                <a:effectLst/>
-                <a:latin typeface="Consolas" panose="020B0609020204030204" pitchFamily="49" charset="0"/>
-              </a:rPr>
-              <a:t>i</a:t>
-            </a:r>
-            <a:r>
-              <a:rPr lang="en-US" sz="1400" b="0" dirty="0">
-                <a:effectLst/>
-                <a:latin typeface="Consolas" panose="020B0609020204030204" pitchFamily="49" charset="0"/>
-              </a:rPr>
-              <a:t>])).T</a:t>
+              <a:t>]*k)</a:t>
             </a:r>
           </a:p>
           <a:p>
@@ -5199,15 +4937,10 @@
             </a:r>
           </a:p>
           <a:p>
-            <a:pPr lvl="1"/>
+            <a:pPr marL="457200" lvl="1" indent="0">
+              <a:buNone/>
+            </a:pPr>
             <a:endParaRPr lang="en-US" sz="1900" dirty="0"/>
-          </a:p>
-          <a:p>
-            <a:r>
-              <a:rPr lang="en-US" sz="2400" dirty="0"/>
-              <a:t>Perform an FFT to get the time domain fields</a:t>
-            </a:r>
-            <a:endParaRPr lang="en-US" sz="2300" dirty="0"/>
           </a:p>
         </p:txBody>
       </p:sp>
@@ -5215,6 +4948,411 @@
     <p:extLst>
       <p:ext uri="{BB962C8B-B14F-4D97-AF65-F5344CB8AC3E}">
         <p14:creationId xmlns:p14="http://schemas.microsoft.com/office/powerpoint/2010/main" val="2070005566"/>
+      </p:ext>
+    </p:extLst>
+  </p:cSld>
+  <p:clrMapOvr>
+    <a:masterClrMapping/>
+  </p:clrMapOvr>
+</p:sld>
+</file>
+
+<file path=ppt/slides/slide4.xml><?xml version="1.0" encoding="utf-8"?>
+<p:sld xmlns:a="http://schemas.openxmlformats.org/drawingml/2006/main" xmlns:r="http://schemas.openxmlformats.org/officeDocument/2006/relationships" xmlns:p="http://schemas.openxmlformats.org/presentationml/2006/main">
+  <p:cSld>
+    <p:spTree>
+      <p:nvGrpSpPr>
+        <p:cNvPr id="1" name=""/>
+        <p:cNvGrpSpPr/>
+        <p:nvPr/>
+      </p:nvGrpSpPr>
+      <p:grpSpPr>
+        <a:xfrm>
+          <a:off x="0" y="0"/>
+          <a:ext cx="0" cy="0"/>
+          <a:chOff x="0" y="0"/>
+          <a:chExt cx="0" cy="0"/>
+        </a:xfrm>
+      </p:grpSpPr>
+      <p:sp>
+        <p:nvSpPr>
+          <p:cNvPr id="2" name="Title 1"/>
+          <p:cNvSpPr>
+            <a:spLocks noGrp="1"/>
+          </p:cNvSpPr>
+          <p:nvPr>
+            <p:ph type="title"/>
+          </p:nvPr>
+        </p:nvSpPr>
+        <p:spPr>
+          <a:xfrm>
+            <a:off x="838200" y="980592"/>
+            <a:ext cx="10515600" cy="754944"/>
+          </a:xfrm>
+        </p:spPr>
+        <p:txBody>
+          <a:bodyPr>
+            <a:normAutofit/>
+          </a:bodyPr>
+          <a:lstStyle/>
+          <a:p>
+            <a:r>
+              <a:rPr lang="en-US" sz="2200" b="1" dirty="0"/>
+              <a:t>Simulation of fields penetrating two slabs with normal incidence</a:t>
+            </a:r>
+            <a:r>
+              <a:rPr lang="en-US" sz="2200" dirty="0"/>
+              <a:t> </a:t>
+            </a:r>
+            <a:br>
+              <a:rPr lang="en-US" sz="2200" dirty="0"/>
+            </a:br>
+            <a:endParaRPr lang="en-US" sz="2200" dirty="0"/>
+          </a:p>
+        </p:txBody>
+      </p:sp>
+      <p:pic>
+        <p:nvPicPr>
+          <p:cNvPr id="8" name="Picture 7"/>
+          <p:cNvPicPr>
+            <a:picLocks noChangeAspect="1"/>
+          </p:cNvPicPr>
+          <p:nvPr/>
+        </p:nvPicPr>
+        <p:blipFill>
+          <a:blip r:embed="rId2" cstate="print">
+            <a:extLst>
+              <a:ext uri="{28A0092B-C50C-407E-A947-70E740481C1C}">
+                <a14:useLocalDpi xmlns:a14="http://schemas.microsoft.com/office/drawing/2010/main" val="0"/>
+              </a:ext>
+            </a:extLst>
+          </a:blip>
+          <a:stretch>
+            <a:fillRect/>
+          </a:stretch>
+        </p:blipFill>
+        <p:spPr>
+          <a:xfrm>
+            <a:off x="450734" y="301931"/>
+            <a:ext cx="2743200" cy="633813"/>
+          </a:xfrm>
+          <a:prstGeom prst="rect">
+            <a:avLst/>
+          </a:prstGeom>
+        </p:spPr>
+      </p:pic>
+      <p:sp>
+        <p:nvSpPr>
+          <p:cNvPr id="3" name="Content Placeholder 2"/>
+          <p:cNvSpPr>
+            <a:spLocks noGrp="1"/>
+          </p:cNvSpPr>
+          <p:nvPr>
+            <p:ph idx="1"/>
+          </p:nvPr>
+        </p:nvSpPr>
+        <p:spPr>
+          <a:xfrm>
+            <a:off x="838200" y="1357460"/>
+            <a:ext cx="10515600" cy="5500540"/>
+          </a:xfrm>
+        </p:spPr>
+        <p:txBody>
+          <a:bodyPr>
+            <a:normAutofit/>
+          </a:bodyPr>
+          <a:lstStyle/>
+          <a:p>
+            <a:endParaRPr lang="fr-BE" sz="1900" dirty="0"/>
+          </a:p>
+          <a:p>
+            <a:r>
+              <a:rPr lang="en-US" sz="2400" dirty="0"/>
+              <a:t>Perform an FFT to get the time domain fields</a:t>
+            </a:r>
+            <a:endParaRPr lang="en-US" sz="1900" dirty="0"/>
+          </a:p>
+          <a:p>
+            <a:pPr marL="0" indent="0">
+              <a:spcBef>
+                <a:spcPts val="0"/>
+              </a:spcBef>
+              <a:buNone/>
+            </a:pPr>
+            <a:endParaRPr lang="en-US" sz="1400" dirty="0">
+              <a:latin typeface="Consolas" panose="020B0609020204030204" pitchFamily="49" charset="0"/>
+            </a:endParaRPr>
+          </a:p>
+          <a:p>
+            <a:pPr marL="0" indent="0">
+              <a:spcBef>
+                <a:spcPts val="0"/>
+              </a:spcBef>
+              <a:buNone/>
+            </a:pPr>
+            <a:r>
+              <a:rPr lang="en-US" sz="1400" dirty="0">
+                <a:solidFill>
+                  <a:srgbClr val="6A9955"/>
+                </a:solidFill>
+                <a:latin typeface="Consolas" panose="020B0609020204030204" pitchFamily="49" charset="0"/>
+              </a:rPr>
+              <a:t># Perform IFFT on </a:t>
+            </a:r>
+            <a:r>
+              <a:rPr lang="en-US" sz="1400" dirty="0" err="1">
+                <a:solidFill>
+                  <a:srgbClr val="6A9955"/>
+                </a:solidFill>
+                <a:latin typeface="Consolas" panose="020B0609020204030204" pitchFamily="49" charset="0"/>
+              </a:rPr>
+              <a:t>E_r</a:t>
+            </a:r>
+            <a:r>
+              <a:rPr lang="en-US" sz="1400" dirty="0">
+                <a:solidFill>
+                  <a:srgbClr val="6A9955"/>
+                </a:solidFill>
+                <a:latin typeface="Consolas" panose="020B0609020204030204" pitchFamily="49" charset="0"/>
+              </a:rPr>
+              <a:t>, </a:t>
+            </a:r>
+            <a:r>
+              <a:rPr lang="en-US" sz="1400" dirty="0" err="1">
+                <a:solidFill>
+                  <a:srgbClr val="6A9955"/>
+                </a:solidFill>
+                <a:latin typeface="Consolas" panose="020B0609020204030204" pitchFamily="49" charset="0"/>
+              </a:rPr>
+              <a:t>E_l</a:t>
+            </a:r>
+            <a:endParaRPr lang="en-US" sz="1400" dirty="0">
+              <a:solidFill>
+                <a:srgbClr val="6A9955"/>
+              </a:solidFill>
+              <a:latin typeface="Consolas" panose="020B0609020204030204" pitchFamily="49" charset="0"/>
+            </a:endParaRPr>
+          </a:p>
+          <a:p>
+            <a:pPr marL="0" indent="0">
+              <a:spcBef>
+                <a:spcPts val="0"/>
+              </a:spcBef>
+              <a:buNone/>
+            </a:pPr>
+            <a:r>
+              <a:rPr lang="en-US" sz="1400" dirty="0">
+                <a:solidFill>
+                  <a:srgbClr val="6A9955"/>
+                </a:solidFill>
+                <a:latin typeface="Consolas" panose="020B0609020204030204" pitchFamily="49" charset="0"/>
+              </a:rPr>
+              <a:t># function of (z, time)</a:t>
+            </a:r>
+          </a:p>
+          <a:p>
+            <a:pPr marL="0" indent="0">
+              <a:spcBef>
+                <a:spcPts val="0"/>
+              </a:spcBef>
+              <a:buNone/>
+            </a:pPr>
+            <a:r>
+              <a:rPr lang="en-US" sz="1400" dirty="0">
+                <a:latin typeface="Consolas" panose="020B0609020204030204" pitchFamily="49" charset="0"/>
+              </a:rPr>
+              <a:t>        if self.is_2D:</a:t>
+            </a:r>
+          </a:p>
+          <a:p>
+            <a:pPr marL="0" indent="0">
+              <a:spcBef>
+                <a:spcPts val="0"/>
+              </a:spcBef>
+              <a:buNone/>
+            </a:pPr>
+            <a:r>
+              <a:rPr lang="en-US" sz="1400" dirty="0">
+                <a:latin typeface="Consolas" panose="020B0609020204030204" pitchFamily="49" charset="0"/>
+              </a:rPr>
+              <a:t>            </a:t>
+            </a:r>
+            <a:r>
+              <a:rPr lang="en-US" sz="1400" dirty="0" err="1">
+                <a:latin typeface="Consolas" panose="020B0609020204030204" pitchFamily="49" charset="0"/>
+              </a:rPr>
+              <a:t>x_delay</a:t>
+            </a:r>
+            <a:r>
+              <a:rPr lang="en-US" sz="1400" dirty="0">
+                <a:latin typeface="Consolas" panose="020B0609020204030204" pitchFamily="49" charset="0"/>
+              </a:rPr>
+              <a:t> = exp(-2j*omega*c * </a:t>
+            </a:r>
+            <a:r>
+              <a:rPr lang="en-US" sz="1400" dirty="0" err="1">
+                <a:latin typeface="Consolas" panose="020B0609020204030204" pitchFamily="49" charset="0"/>
+              </a:rPr>
+              <a:t>k_slab_along_x</a:t>
+            </a:r>
+            <a:r>
+              <a:rPr lang="en-US" sz="1400" dirty="0">
+                <a:latin typeface="Consolas" panose="020B0609020204030204" pitchFamily="49" charset="0"/>
+              </a:rPr>
+              <a:t> * x)</a:t>
+            </a:r>
+          </a:p>
+          <a:p>
+            <a:pPr marL="0" indent="0">
+              <a:spcBef>
+                <a:spcPts val="0"/>
+              </a:spcBef>
+              <a:buNone/>
+            </a:pPr>
+            <a:r>
+              <a:rPr lang="en-US" sz="1400" dirty="0">
+                <a:latin typeface="Consolas" panose="020B0609020204030204" pitchFamily="49" charset="0"/>
+              </a:rPr>
+              <a:t>        else:</a:t>
+            </a:r>
+          </a:p>
+          <a:p>
+            <a:pPr marL="0" indent="0">
+              <a:spcBef>
+                <a:spcPts val="0"/>
+              </a:spcBef>
+              <a:buNone/>
+            </a:pPr>
+            <a:r>
+              <a:rPr lang="en-US" sz="1400" dirty="0">
+                <a:latin typeface="Consolas" panose="020B0609020204030204" pitchFamily="49" charset="0"/>
+              </a:rPr>
+              <a:t>            </a:t>
+            </a:r>
+            <a:r>
+              <a:rPr lang="en-US" sz="1400" dirty="0" err="1">
+                <a:latin typeface="Consolas" panose="020B0609020204030204" pitchFamily="49" charset="0"/>
+              </a:rPr>
+              <a:t>x_delay</a:t>
+            </a:r>
+            <a:r>
+              <a:rPr lang="en-US" sz="1400" dirty="0">
+                <a:latin typeface="Consolas" panose="020B0609020204030204" pitchFamily="49" charset="0"/>
+              </a:rPr>
+              <a:t> = 1.</a:t>
+            </a:r>
+          </a:p>
+          <a:p>
+            <a:pPr marL="0" indent="0">
+              <a:spcBef>
+                <a:spcPts val="0"/>
+              </a:spcBef>
+              <a:buNone/>
+            </a:pPr>
+            <a:r>
+              <a:rPr lang="en-US" sz="1400" dirty="0">
+                <a:latin typeface="Consolas" panose="020B0609020204030204" pitchFamily="49" charset="0"/>
+              </a:rPr>
+              <a:t>        </a:t>
+            </a:r>
+            <a:r>
+              <a:rPr lang="en-US" sz="1400" dirty="0" err="1">
+                <a:latin typeface="Consolas" panose="020B0609020204030204" pitchFamily="49" charset="0"/>
+              </a:rPr>
+              <a:t>x_delayed_spect</a:t>
+            </a:r>
+            <a:r>
+              <a:rPr lang="en-US" sz="1400" dirty="0">
+                <a:latin typeface="Consolas" panose="020B0609020204030204" pitchFamily="49" charset="0"/>
+              </a:rPr>
+              <a:t> = </a:t>
+            </a:r>
+            <a:r>
+              <a:rPr lang="en-US" sz="1400" dirty="0" err="1">
+                <a:latin typeface="Consolas" panose="020B0609020204030204" pitchFamily="49" charset="0"/>
+              </a:rPr>
+              <a:t>x_delay</a:t>
+            </a:r>
+            <a:r>
+              <a:rPr lang="en-US" sz="1400" dirty="0">
+                <a:latin typeface="Consolas" panose="020B0609020204030204" pitchFamily="49" charset="0"/>
+              </a:rPr>
+              <a:t> * </a:t>
+            </a:r>
+            <a:r>
+              <a:rPr lang="en-US" sz="1400" dirty="0" err="1">
+                <a:latin typeface="Consolas" panose="020B0609020204030204" pitchFamily="49" charset="0"/>
+              </a:rPr>
+              <a:t>spect</a:t>
+            </a:r>
+            <a:endParaRPr lang="en-US" sz="1400" dirty="0">
+              <a:latin typeface="Consolas" panose="020B0609020204030204" pitchFamily="49" charset="0"/>
+            </a:endParaRPr>
+          </a:p>
+          <a:p>
+            <a:pPr marL="0" indent="0">
+              <a:spcBef>
+                <a:spcPts val="0"/>
+              </a:spcBef>
+              <a:buNone/>
+            </a:pPr>
+            <a:r>
+              <a:rPr lang="en-US" sz="1400" dirty="0">
+                <a:latin typeface="Consolas" panose="020B0609020204030204" pitchFamily="49" charset="0"/>
+              </a:rPr>
+              <a:t>        for E in [TM and TE, left and right E-fields]):</a:t>
+            </a:r>
+          </a:p>
+          <a:p>
+            <a:pPr marL="0" indent="0">
+              <a:spcBef>
+                <a:spcPts val="0"/>
+              </a:spcBef>
+              <a:buNone/>
+            </a:pPr>
+            <a:r>
+              <a:rPr lang="en-US" sz="1400" dirty="0">
+                <a:latin typeface="Consolas" panose="020B0609020204030204" pitchFamily="49" charset="0"/>
+              </a:rPr>
+              <a:t>            E = </a:t>
+            </a:r>
+            <a:r>
+              <a:rPr lang="en-US" sz="1400" dirty="0" err="1">
+                <a:latin typeface="Consolas" panose="020B0609020204030204" pitchFamily="49" charset="0"/>
+              </a:rPr>
+              <a:t>ifft</a:t>
+            </a:r>
+            <a:r>
+              <a:rPr lang="en-US" sz="1400" dirty="0">
+                <a:latin typeface="Consolas" panose="020B0609020204030204" pitchFamily="49" charset="0"/>
+              </a:rPr>
+              <a:t>(E * </a:t>
+            </a:r>
+            <a:r>
+              <a:rPr lang="en-US" sz="1400" dirty="0" err="1">
+                <a:latin typeface="Consolas" panose="020B0609020204030204" pitchFamily="49" charset="0"/>
+              </a:rPr>
+              <a:t>x_delayed_spect</a:t>
+            </a:r>
+            <a:r>
+              <a:rPr lang="en-US" sz="1400" dirty="0">
+                <a:latin typeface="Consolas" panose="020B0609020204030204" pitchFamily="49" charset="0"/>
+              </a:rPr>
+              <a:t>)</a:t>
+            </a:r>
+          </a:p>
+          <a:p>
+            <a:pPr marL="0" indent="0">
+              <a:buNone/>
+            </a:pPr>
+            <a:endParaRPr lang="en-US" sz="2400" dirty="0"/>
+          </a:p>
+        </p:txBody>
+      </p:sp>
+    </p:spTree>
+    <p:extLst>
+      <p:ext uri="{BB962C8B-B14F-4D97-AF65-F5344CB8AC3E}">
+        <p14:creationId xmlns:p14="http://schemas.microsoft.com/office/powerpoint/2010/main" val="4163445845"/>
       </p:ext>
     </p:extLst>
   </p:cSld>
